--- a/Skeleton presentation.pptx
+++ b/Skeleton presentation.pptx
@@ -3,15 +3,17 @@
 <p:presentation xmlns:a="http://schemas.openxmlformats.org/drawingml/2006/main" xmlns:p="http://schemas.openxmlformats.org/presentationml/2006/main" xmlns:r="http://schemas.openxmlformats.org/officeDocument/2006/relationships">
   <p:sldMasterIdLst>
     <p:sldMasterId id="2147483648" r:id="rId2"/>
+    <p:sldMasterId id="2147483661" r:id="rId3"/>
+    <p:sldMasterId id="2147483674" r:id="rId4"/>
   </p:sldMasterIdLst>
   <p:sldIdLst>
-    <p:sldId id="256" r:id="rId3"/>
-    <p:sldId id="257" r:id="rId4"/>
-    <p:sldId id="258" r:id="rId5"/>
-    <p:sldId id="259" r:id="rId6"/>
-    <p:sldId id="260" r:id="rId7"/>
-    <p:sldId id="261" r:id="rId8"/>
-    <p:sldId id="262" r:id="rId9"/>
+    <p:sldId id="256" r:id="rId5"/>
+    <p:sldId id="257" r:id="rId6"/>
+    <p:sldId id="258" r:id="rId7"/>
+    <p:sldId id="259" r:id="rId8"/>
+    <p:sldId id="260" r:id="rId9"/>
+    <p:sldId id="261" r:id="rId10"/>
+    <p:sldId id="262" r:id="rId11"/>
   </p:sldIdLst>
   <p:sldSz cx="10080625" cy="7559675"/>
   <p:notesSz cx="7559675" cy="10691812"/>
@@ -59,7 +61,7 @@
       </p:grpSpPr>
       <p:sp>
         <p:nvSpPr>
-          <p:cNvPr id="26" name="PlaceHolder 1"/>
+          <p:cNvPr id="23" name="PlaceHolder 1"/>
           <p:cNvSpPr>
             <a:spLocks noGrp="1"/>
           </p:cNvSpPr>
@@ -70,7 +72,7 @@
         <p:spPr>
           <a:xfrm>
             <a:off x="504000" y="301320"/>
-            <a:ext cx="9071640" cy="1262160"/>
+            <a:ext cx="9071280" cy="1261800"/>
           </a:xfrm>
           <a:prstGeom prst="rect">
             <a:avLst/>
@@ -86,7 +88,7 @@
       </p:sp>
       <p:sp>
         <p:nvSpPr>
-          <p:cNvPr id="27" name="PlaceHolder 2"/>
+          <p:cNvPr id="24" name="PlaceHolder 2"/>
           <p:cNvSpPr>
             <a:spLocks noGrp="1"/>
           </p:cNvSpPr>
@@ -97,33 +99,33 @@
         <p:spPr>
           <a:xfrm>
             <a:off x="504000" y="1769040"/>
-            <a:ext cx="9071640" cy="2091240"/>
-          </a:xfrm>
-          <a:prstGeom prst="rect">
-            <a:avLst/>
-          </a:prstGeom>
-        </p:spPr>
-        <p:txBody>
-          <a:bodyPr lIns="0" rIns="0" tIns="0" bIns="0"/>
-          <a:p>
-            <a:endParaRPr/>
-          </a:p>
-        </p:txBody>
-      </p:sp>
-      <p:sp>
-        <p:nvSpPr>
-          <p:cNvPr id="28" name="PlaceHolder 3"/>
-          <p:cNvSpPr>
-            <a:spLocks noGrp="1"/>
-          </p:cNvSpPr>
-          <p:nvPr>
-            <p:ph type="body"/>
-          </p:nvPr>
-        </p:nvSpPr>
-        <p:spPr>
-          <a:xfrm>
-            <a:off x="504000" y="4059360"/>
-            <a:ext cx="9071640" cy="2091240"/>
+            <a:ext cx="9071280" cy="2090880"/>
+          </a:xfrm>
+          <a:prstGeom prst="rect">
+            <a:avLst/>
+          </a:prstGeom>
+        </p:spPr>
+        <p:txBody>
+          <a:bodyPr lIns="0" rIns="0" tIns="0" bIns="0"/>
+          <a:p>
+            <a:endParaRPr/>
+          </a:p>
+        </p:txBody>
+      </p:sp>
+      <p:sp>
+        <p:nvSpPr>
+          <p:cNvPr id="25" name="PlaceHolder 3"/>
+          <p:cNvSpPr>
+            <a:spLocks noGrp="1"/>
+          </p:cNvSpPr>
+          <p:nvPr>
+            <p:ph type="body"/>
+          </p:nvPr>
+        </p:nvSpPr>
+        <p:spPr>
+          <a:xfrm>
+            <a:off x="504000" y="4059000"/>
+            <a:ext cx="9071280" cy="2090880"/>
           </a:xfrm>
           <a:prstGeom prst="rect">
             <a:avLst/>
@@ -160,7 +162,7 @@
       </p:grpSpPr>
       <p:sp>
         <p:nvSpPr>
-          <p:cNvPr id="29" name="PlaceHolder 1"/>
+          <p:cNvPr id="26" name="PlaceHolder 1"/>
           <p:cNvSpPr>
             <a:spLocks noGrp="1"/>
           </p:cNvSpPr>
@@ -171,7 +173,7 @@
         <p:spPr>
           <a:xfrm>
             <a:off x="504000" y="301320"/>
-            <a:ext cx="9071640" cy="1262160"/>
+            <a:ext cx="9071280" cy="1261800"/>
           </a:xfrm>
           <a:prstGeom prst="rect">
             <a:avLst/>
@@ -187,7 +189,7 @@
       </p:sp>
       <p:sp>
         <p:nvSpPr>
-          <p:cNvPr id="30" name="PlaceHolder 2"/>
+          <p:cNvPr id="27" name="PlaceHolder 2"/>
           <p:cNvSpPr>
             <a:spLocks noGrp="1"/>
           </p:cNvSpPr>
@@ -198,85 +200,85 @@
         <p:spPr>
           <a:xfrm>
             <a:off x="504000" y="1769040"/>
-            <a:ext cx="4426920" cy="2091240"/>
-          </a:xfrm>
-          <a:prstGeom prst="rect">
-            <a:avLst/>
-          </a:prstGeom>
-        </p:spPr>
-        <p:txBody>
-          <a:bodyPr lIns="0" rIns="0" tIns="0" bIns="0"/>
-          <a:p>
-            <a:endParaRPr/>
-          </a:p>
-        </p:txBody>
-      </p:sp>
-      <p:sp>
-        <p:nvSpPr>
-          <p:cNvPr id="31" name="PlaceHolder 3"/>
-          <p:cNvSpPr>
-            <a:spLocks noGrp="1"/>
-          </p:cNvSpPr>
-          <p:nvPr>
-            <p:ph type="body"/>
-          </p:nvPr>
-        </p:nvSpPr>
-        <p:spPr>
-          <a:xfrm>
-            <a:off x="5152680" y="1769040"/>
-            <a:ext cx="4426920" cy="2091240"/>
-          </a:xfrm>
-          <a:prstGeom prst="rect">
-            <a:avLst/>
-          </a:prstGeom>
-        </p:spPr>
-        <p:txBody>
-          <a:bodyPr lIns="0" rIns="0" tIns="0" bIns="0"/>
-          <a:p>
-            <a:endParaRPr/>
-          </a:p>
-        </p:txBody>
-      </p:sp>
-      <p:sp>
-        <p:nvSpPr>
-          <p:cNvPr id="32" name="PlaceHolder 4"/>
-          <p:cNvSpPr>
-            <a:spLocks noGrp="1"/>
-          </p:cNvSpPr>
-          <p:nvPr>
-            <p:ph type="body"/>
-          </p:nvPr>
-        </p:nvSpPr>
-        <p:spPr>
-          <a:xfrm>
-            <a:off x="5152680" y="4059360"/>
-            <a:ext cx="4426920" cy="2091240"/>
-          </a:xfrm>
-          <a:prstGeom prst="rect">
-            <a:avLst/>
-          </a:prstGeom>
-        </p:spPr>
-        <p:txBody>
-          <a:bodyPr lIns="0" rIns="0" tIns="0" bIns="0"/>
-          <a:p>
-            <a:endParaRPr/>
-          </a:p>
-        </p:txBody>
-      </p:sp>
-      <p:sp>
-        <p:nvSpPr>
-          <p:cNvPr id="33" name="PlaceHolder 5"/>
-          <p:cNvSpPr>
-            <a:spLocks noGrp="1"/>
-          </p:cNvSpPr>
-          <p:nvPr>
-            <p:ph type="body"/>
-          </p:nvPr>
-        </p:nvSpPr>
-        <p:spPr>
-          <a:xfrm>
-            <a:off x="504000" y="4059360"/>
-            <a:ext cx="4426920" cy="2091240"/>
+            <a:ext cx="4426560" cy="2090880"/>
+          </a:xfrm>
+          <a:prstGeom prst="rect">
+            <a:avLst/>
+          </a:prstGeom>
+        </p:spPr>
+        <p:txBody>
+          <a:bodyPr lIns="0" rIns="0" tIns="0" bIns="0"/>
+          <a:p>
+            <a:endParaRPr/>
+          </a:p>
+        </p:txBody>
+      </p:sp>
+      <p:sp>
+        <p:nvSpPr>
+          <p:cNvPr id="28" name="PlaceHolder 3"/>
+          <p:cNvSpPr>
+            <a:spLocks noGrp="1"/>
+          </p:cNvSpPr>
+          <p:nvPr>
+            <p:ph type="body"/>
+          </p:nvPr>
+        </p:nvSpPr>
+        <p:spPr>
+          <a:xfrm>
+            <a:off x="5152320" y="1769040"/>
+            <a:ext cx="4426560" cy="2090880"/>
+          </a:xfrm>
+          <a:prstGeom prst="rect">
+            <a:avLst/>
+          </a:prstGeom>
+        </p:spPr>
+        <p:txBody>
+          <a:bodyPr lIns="0" rIns="0" tIns="0" bIns="0"/>
+          <a:p>
+            <a:endParaRPr/>
+          </a:p>
+        </p:txBody>
+      </p:sp>
+      <p:sp>
+        <p:nvSpPr>
+          <p:cNvPr id="29" name="PlaceHolder 4"/>
+          <p:cNvSpPr>
+            <a:spLocks noGrp="1"/>
+          </p:cNvSpPr>
+          <p:nvPr>
+            <p:ph type="body"/>
+          </p:nvPr>
+        </p:nvSpPr>
+        <p:spPr>
+          <a:xfrm>
+            <a:off x="5152320" y="4059000"/>
+            <a:ext cx="4426560" cy="2090880"/>
+          </a:xfrm>
+          <a:prstGeom prst="rect">
+            <a:avLst/>
+          </a:prstGeom>
+        </p:spPr>
+        <p:txBody>
+          <a:bodyPr lIns="0" rIns="0" tIns="0" bIns="0"/>
+          <a:p>
+            <a:endParaRPr/>
+          </a:p>
+        </p:txBody>
+      </p:sp>
+      <p:sp>
+        <p:nvSpPr>
+          <p:cNvPr id="30" name="PlaceHolder 5"/>
+          <p:cNvSpPr>
+            <a:spLocks noGrp="1"/>
+          </p:cNvSpPr>
+          <p:nvPr>
+            <p:ph type="body"/>
+          </p:nvPr>
+        </p:nvSpPr>
+        <p:spPr>
+          <a:xfrm>
+            <a:off x="504000" y="4059000"/>
+            <a:ext cx="4426560" cy="2090880"/>
           </a:xfrm>
           <a:prstGeom prst="rect">
             <a:avLst/>
@@ -313,7 +315,7 @@
       </p:grpSpPr>
       <p:sp>
         <p:nvSpPr>
-          <p:cNvPr id="34" name="PlaceHolder 1"/>
+          <p:cNvPr id="31" name="PlaceHolder 1"/>
           <p:cNvSpPr>
             <a:spLocks noGrp="1"/>
           </p:cNvSpPr>
@@ -324,7 +326,7 @@
         <p:spPr>
           <a:xfrm>
             <a:off x="504000" y="301320"/>
-            <a:ext cx="9071640" cy="1262160"/>
+            <a:ext cx="9071280" cy="1261800"/>
           </a:xfrm>
           <a:prstGeom prst="rect">
             <a:avLst/>
@@ -340,7 +342,7 @@
       </p:sp>
       <p:sp>
         <p:nvSpPr>
-          <p:cNvPr id="35" name="PlaceHolder 2"/>
+          <p:cNvPr id="32" name="PlaceHolder 2"/>
           <p:cNvSpPr>
             <a:spLocks noGrp="1"/>
           </p:cNvSpPr>
@@ -351,22 +353,22 @@
         <p:spPr>
           <a:xfrm>
             <a:off x="504000" y="1769040"/>
-            <a:ext cx="9071640" cy="4384440"/>
-          </a:xfrm>
-          <a:prstGeom prst="rect">
-            <a:avLst/>
-          </a:prstGeom>
-        </p:spPr>
-        <p:txBody>
-          <a:bodyPr lIns="0" rIns="0" tIns="0" bIns="0"/>
-          <a:p>
-            <a:endParaRPr/>
-          </a:p>
-        </p:txBody>
-      </p:sp>
-      <p:sp>
-        <p:nvSpPr>
-          <p:cNvPr id="36" name="PlaceHolder 3"/>
+            <a:ext cx="9071280" cy="4384080"/>
+          </a:xfrm>
+          <a:prstGeom prst="rect">
+            <a:avLst/>
+          </a:prstGeom>
+        </p:spPr>
+        <p:txBody>
+          <a:bodyPr lIns="0" rIns="0" tIns="0" bIns="0"/>
+          <a:p>
+            <a:endParaRPr/>
+          </a:p>
+        </p:txBody>
+      </p:sp>
+      <p:sp>
+        <p:nvSpPr>
+          <p:cNvPr id="33" name="PlaceHolder 3"/>
           <p:cNvSpPr>
             <a:spLocks noGrp="1"/>
           </p:cNvSpPr>
@@ -377,7 +379,7 @@
         <p:spPr>
           <a:xfrm>
             <a:off x="504000" y="1769040"/>
-            <a:ext cx="9071640" cy="4384440"/>
+            <a:ext cx="9071280" cy="4384080"/>
           </a:xfrm>
           <a:prstGeom prst="rect">
             <a:avLst/>
@@ -392,7 +394,7 @@
       </p:sp>
       <p:pic>
         <p:nvPicPr>
-          <p:cNvPr id="37" name="" descr=""/>
+          <p:cNvPr id="34" name="" descr=""/>
           <p:cNvPicPr/>
           <p:nvPr/>
         </p:nvPicPr>
@@ -402,8 +404,8 @@
         </p:blipFill>
         <p:spPr>
           <a:xfrm>
-            <a:off x="2291040" y="1768680"/>
-            <a:ext cx="5497200" cy="4384440"/>
+            <a:off x="2291040" y="1769040"/>
+            <a:ext cx="5496840" cy="4384080"/>
           </a:xfrm>
           <a:prstGeom prst="rect">
             <a:avLst/>
@@ -415,7 +417,7 @@
       </p:pic>
       <p:pic>
         <p:nvPicPr>
-          <p:cNvPr id="38" name="" descr=""/>
+          <p:cNvPr id="35" name="" descr=""/>
           <p:cNvPicPr/>
           <p:nvPr/>
         </p:nvPicPr>
@@ -425,8 +427,8 @@
         </p:blipFill>
         <p:spPr>
           <a:xfrm>
-            <a:off x="2291040" y="1768680"/>
-            <a:ext cx="5497200" cy="4384440"/>
+            <a:off x="2291040" y="1769040"/>
+            <a:ext cx="5496840" cy="4384080"/>
           </a:xfrm>
           <a:prstGeom prst="rect">
             <a:avLst/>
@@ -436,6 +438,505 @@
           </a:ln>
         </p:spPr>
       </p:pic>
+    </p:spTree>
+  </p:cSld>
+</p:sldLayout>
+</file>
+
+<file path=ppt/slideLayouts/slideLayout13.xml><?xml version="1.0" encoding="utf-8"?>
+<p:sldLayout xmlns:a="http://schemas.openxmlformats.org/drawingml/2006/main" xmlns:p="http://schemas.openxmlformats.org/presentationml/2006/main" xmlns:r="http://schemas.openxmlformats.org/officeDocument/2006/relationships" type="blank" preserve="1">
+  <p:cSld name="Blank Slide">
+    <p:spTree>
+      <p:nvGrpSpPr>
+        <p:cNvPr id="1" name=""/>
+        <p:cNvGrpSpPr/>
+        <p:nvPr/>
+      </p:nvGrpSpPr>
+      <p:grpSpPr>
+        <a:xfrm>
+          <a:off x="0" y="0"/>
+          <a:ext cx="0" cy="0"/>
+          <a:chOff x="0" y="0"/>
+          <a:chExt cx="0" cy="0"/>
+        </a:xfrm>
+      </p:grpSpPr>
+    </p:spTree>
+  </p:cSld>
+</p:sldLayout>
+</file>
+
+<file path=ppt/slideLayouts/slideLayout14.xml><?xml version="1.0" encoding="utf-8"?>
+<p:sldLayout xmlns:a="http://schemas.openxmlformats.org/drawingml/2006/main" xmlns:p="http://schemas.openxmlformats.org/presentationml/2006/main" xmlns:r="http://schemas.openxmlformats.org/officeDocument/2006/relationships" type="tx" preserve="1">
+  <p:cSld name="Title Slide">
+    <p:spTree>
+      <p:nvGrpSpPr>
+        <p:cNvPr id="1" name=""/>
+        <p:cNvGrpSpPr/>
+        <p:nvPr/>
+      </p:nvGrpSpPr>
+      <p:grpSpPr>
+        <a:xfrm>
+          <a:off x="0" y="0"/>
+          <a:ext cx="0" cy="0"/>
+          <a:chOff x="0" y="0"/>
+          <a:chExt cx="0" cy="0"/>
+        </a:xfrm>
+      </p:grpSpPr>
+      <p:sp>
+        <p:nvSpPr>
+          <p:cNvPr id="38" name="PlaceHolder 1"/>
+          <p:cNvSpPr>
+            <a:spLocks noGrp="1"/>
+          </p:cNvSpPr>
+          <p:nvPr>
+            <p:ph type="title"/>
+          </p:nvPr>
+        </p:nvSpPr>
+        <p:spPr>
+          <a:xfrm>
+            <a:off x="504000" y="301320"/>
+            <a:ext cx="9071280" cy="1261800"/>
+          </a:xfrm>
+          <a:prstGeom prst="rect">
+            <a:avLst/>
+          </a:prstGeom>
+        </p:spPr>
+        <p:txBody>
+          <a:bodyPr lIns="0" rIns="0" tIns="0" bIns="0" anchor="ctr"/>
+          <a:p>
+            <a:pPr algn="ctr"/>
+            <a:endParaRPr/>
+          </a:p>
+        </p:txBody>
+      </p:sp>
+      <p:sp>
+        <p:nvSpPr>
+          <p:cNvPr id="39" name="PlaceHolder 2"/>
+          <p:cNvSpPr>
+            <a:spLocks noGrp="1"/>
+          </p:cNvSpPr>
+          <p:nvPr>
+            <p:ph type="subTitle"/>
+          </p:nvPr>
+        </p:nvSpPr>
+        <p:spPr>
+          <a:xfrm>
+            <a:off x="504000" y="1769040"/>
+            <a:ext cx="9071280" cy="4384080"/>
+          </a:xfrm>
+          <a:prstGeom prst="rect">
+            <a:avLst/>
+          </a:prstGeom>
+        </p:spPr>
+        <p:txBody>
+          <a:bodyPr lIns="0" rIns="0" tIns="0" bIns="0" anchor="ctr"/>
+          <a:p>
+            <a:pPr algn="ctr"/>
+            <a:endParaRPr/>
+          </a:p>
+        </p:txBody>
+      </p:sp>
+    </p:spTree>
+  </p:cSld>
+</p:sldLayout>
+</file>
+
+<file path=ppt/slideLayouts/slideLayout15.xml><?xml version="1.0" encoding="utf-8"?>
+<p:sldLayout xmlns:a="http://schemas.openxmlformats.org/drawingml/2006/main" xmlns:p="http://schemas.openxmlformats.org/presentationml/2006/main" xmlns:r="http://schemas.openxmlformats.org/officeDocument/2006/relationships" type="obj" preserve="1">
+  <p:cSld name="Title, Content">
+    <p:spTree>
+      <p:nvGrpSpPr>
+        <p:cNvPr id="1" name=""/>
+        <p:cNvGrpSpPr/>
+        <p:nvPr/>
+      </p:nvGrpSpPr>
+      <p:grpSpPr>
+        <a:xfrm>
+          <a:off x="0" y="0"/>
+          <a:ext cx="0" cy="0"/>
+          <a:chOff x="0" y="0"/>
+          <a:chExt cx="0" cy="0"/>
+        </a:xfrm>
+      </p:grpSpPr>
+      <p:sp>
+        <p:nvSpPr>
+          <p:cNvPr id="40" name="PlaceHolder 1"/>
+          <p:cNvSpPr>
+            <a:spLocks noGrp="1"/>
+          </p:cNvSpPr>
+          <p:nvPr>
+            <p:ph type="title"/>
+          </p:nvPr>
+        </p:nvSpPr>
+        <p:spPr>
+          <a:xfrm>
+            <a:off x="504000" y="301320"/>
+            <a:ext cx="9071280" cy="1261800"/>
+          </a:xfrm>
+          <a:prstGeom prst="rect">
+            <a:avLst/>
+          </a:prstGeom>
+        </p:spPr>
+        <p:txBody>
+          <a:bodyPr lIns="0" rIns="0" tIns="0" bIns="0" anchor="ctr"/>
+          <a:p>
+            <a:pPr algn="ctr"/>
+            <a:endParaRPr/>
+          </a:p>
+        </p:txBody>
+      </p:sp>
+      <p:sp>
+        <p:nvSpPr>
+          <p:cNvPr id="41" name="PlaceHolder 2"/>
+          <p:cNvSpPr>
+            <a:spLocks noGrp="1"/>
+          </p:cNvSpPr>
+          <p:nvPr>
+            <p:ph type="body"/>
+          </p:nvPr>
+        </p:nvSpPr>
+        <p:spPr>
+          <a:xfrm>
+            <a:off x="504000" y="1769040"/>
+            <a:ext cx="9071280" cy="4384080"/>
+          </a:xfrm>
+          <a:prstGeom prst="rect">
+            <a:avLst/>
+          </a:prstGeom>
+        </p:spPr>
+        <p:txBody>
+          <a:bodyPr lIns="0" rIns="0" tIns="0" bIns="0"/>
+          <a:p>
+            <a:endParaRPr/>
+          </a:p>
+        </p:txBody>
+      </p:sp>
+    </p:spTree>
+  </p:cSld>
+</p:sldLayout>
+</file>
+
+<file path=ppt/slideLayouts/slideLayout16.xml><?xml version="1.0" encoding="utf-8"?>
+<p:sldLayout xmlns:a="http://schemas.openxmlformats.org/drawingml/2006/main" xmlns:p="http://schemas.openxmlformats.org/presentationml/2006/main" xmlns:r="http://schemas.openxmlformats.org/officeDocument/2006/relationships" type="twoObj" preserve="1">
+  <p:cSld name="Title, 2 Content">
+    <p:spTree>
+      <p:nvGrpSpPr>
+        <p:cNvPr id="1" name=""/>
+        <p:cNvGrpSpPr/>
+        <p:nvPr/>
+      </p:nvGrpSpPr>
+      <p:grpSpPr>
+        <a:xfrm>
+          <a:off x="0" y="0"/>
+          <a:ext cx="0" cy="0"/>
+          <a:chOff x="0" y="0"/>
+          <a:chExt cx="0" cy="0"/>
+        </a:xfrm>
+      </p:grpSpPr>
+      <p:sp>
+        <p:nvSpPr>
+          <p:cNvPr id="42" name="PlaceHolder 1"/>
+          <p:cNvSpPr>
+            <a:spLocks noGrp="1"/>
+          </p:cNvSpPr>
+          <p:nvPr>
+            <p:ph type="title"/>
+          </p:nvPr>
+        </p:nvSpPr>
+        <p:spPr>
+          <a:xfrm>
+            <a:off x="504000" y="301320"/>
+            <a:ext cx="9071280" cy="1261800"/>
+          </a:xfrm>
+          <a:prstGeom prst="rect">
+            <a:avLst/>
+          </a:prstGeom>
+        </p:spPr>
+        <p:txBody>
+          <a:bodyPr lIns="0" rIns="0" tIns="0" bIns="0" anchor="ctr"/>
+          <a:p>
+            <a:pPr algn="ctr"/>
+            <a:endParaRPr/>
+          </a:p>
+        </p:txBody>
+      </p:sp>
+      <p:sp>
+        <p:nvSpPr>
+          <p:cNvPr id="43" name="PlaceHolder 2"/>
+          <p:cNvSpPr>
+            <a:spLocks noGrp="1"/>
+          </p:cNvSpPr>
+          <p:nvPr>
+            <p:ph type="body"/>
+          </p:nvPr>
+        </p:nvSpPr>
+        <p:spPr>
+          <a:xfrm>
+            <a:off x="504000" y="1769040"/>
+            <a:ext cx="4426560" cy="4384080"/>
+          </a:xfrm>
+          <a:prstGeom prst="rect">
+            <a:avLst/>
+          </a:prstGeom>
+        </p:spPr>
+        <p:txBody>
+          <a:bodyPr lIns="0" rIns="0" tIns="0" bIns="0"/>
+          <a:p>
+            <a:endParaRPr/>
+          </a:p>
+        </p:txBody>
+      </p:sp>
+      <p:sp>
+        <p:nvSpPr>
+          <p:cNvPr id="44" name="PlaceHolder 3"/>
+          <p:cNvSpPr>
+            <a:spLocks noGrp="1"/>
+          </p:cNvSpPr>
+          <p:nvPr>
+            <p:ph type="body"/>
+          </p:nvPr>
+        </p:nvSpPr>
+        <p:spPr>
+          <a:xfrm>
+            <a:off x="5152320" y="1769040"/>
+            <a:ext cx="4426560" cy="4384080"/>
+          </a:xfrm>
+          <a:prstGeom prst="rect">
+            <a:avLst/>
+          </a:prstGeom>
+        </p:spPr>
+        <p:txBody>
+          <a:bodyPr lIns="0" rIns="0" tIns="0" bIns="0"/>
+          <a:p>
+            <a:endParaRPr/>
+          </a:p>
+        </p:txBody>
+      </p:sp>
+    </p:spTree>
+  </p:cSld>
+</p:sldLayout>
+</file>
+
+<file path=ppt/slideLayouts/slideLayout17.xml><?xml version="1.0" encoding="utf-8"?>
+<p:sldLayout xmlns:a="http://schemas.openxmlformats.org/drawingml/2006/main" xmlns:p="http://schemas.openxmlformats.org/presentationml/2006/main" xmlns:r="http://schemas.openxmlformats.org/officeDocument/2006/relationships" type="titleOnly" preserve="1">
+  <p:cSld name="Title Only">
+    <p:spTree>
+      <p:nvGrpSpPr>
+        <p:cNvPr id="1" name=""/>
+        <p:cNvGrpSpPr/>
+        <p:nvPr/>
+      </p:nvGrpSpPr>
+      <p:grpSpPr>
+        <a:xfrm>
+          <a:off x="0" y="0"/>
+          <a:ext cx="0" cy="0"/>
+          <a:chOff x="0" y="0"/>
+          <a:chExt cx="0" cy="0"/>
+        </a:xfrm>
+      </p:grpSpPr>
+      <p:sp>
+        <p:nvSpPr>
+          <p:cNvPr id="45" name="PlaceHolder 1"/>
+          <p:cNvSpPr>
+            <a:spLocks noGrp="1"/>
+          </p:cNvSpPr>
+          <p:nvPr>
+            <p:ph type="title"/>
+          </p:nvPr>
+        </p:nvSpPr>
+        <p:spPr>
+          <a:xfrm>
+            <a:off x="504000" y="301320"/>
+            <a:ext cx="9071280" cy="1261800"/>
+          </a:xfrm>
+          <a:prstGeom prst="rect">
+            <a:avLst/>
+          </a:prstGeom>
+        </p:spPr>
+        <p:txBody>
+          <a:bodyPr lIns="0" rIns="0" tIns="0" bIns="0" anchor="ctr"/>
+          <a:p>
+            <a:pPr algn="ctr"/>
+            <a:endParaRPr/>
+          </a:p>
+        </p:txBody>
+      </p:sp>
+    </p:spTree>
+  </p:cSld>
+</p:sldLayout>
+</file>
+
+<file path=ppt/slideLayouts/slideLayout18.xml><?xml version="1.0" encoding="utf-8"?>
+<p:sldLayout xmlns:a="http://schemas.openxmlformats.org/drawingml/2006/main" xmlns:p="http://schemas.openxmlformats.org/presentationml/2006/main" xmlns:r="http://schemas.openxmlformats.org/officeDocument/2006/relationships" type="objOnly" preserve="1">
+  <p:cSld name="Centered Text">
+    <p:spTree>
+      <p:nvGrpSpPr>
+        <p:cNvPr id="1" name=""/>
+        <p:cNvGrpSpPr/>
+        <p:nvPr/>
+      </p:nvGrpSpPr>
+      <p:grpSpPr>
+        <a:xfrm>
+          <a:off x="0" y="0"/>
+          <a:ext cx="0" cy="0"/>
+          <a:chOff x="0" y="0"/>
+          <a:chExt cx="0" cy="0"/>
+        </a:xfrm>
+      </p:grpSpPr>
+      <p:sp>
+        <p:nvSpPr>
+          <p:cNvPr id="46" name="PlaceHolder 1"/>
+          <p:cNvSpPr>
+            <a:spLocks noGrp="1"/>
+          </p:cNvSpPr>
+          <p:nvPr>
+            <p:ph type="subTitle"/>
+          </p:nvPr>
+        </p:nvSpPr>
+        <p:spPr>
+          <a:xfrm>
+            <a:off x="504000" y="301320"/>
+            <a:ext cx="9071280" cy="5850360"/>
+          </a:xfrm>
+          <a:prstGeom prst="rect">
+            <a:avLst/>
+          </a:prstGeom>
+        </p:spPr>
+        <p:txBody>
+          <a:bodyPr lIns="0" rIns="0" tIns="0" bIns="0" anchor="ctr"/>
+          <a:p>
+            <a:pPr algn="ctr"/>
+            <a:endParaRPr/>
+          </a:p>
+        </p:txBody>
+      </p:sp>
+    </p:spTree>
+  </p:cSld>
+</p:sldLayout>
+</file>
+
+<file path=ppt/slideLayouts/slideLayout19.xml><?xml version="1.0" encoding="utf-8"?>
+<p:sldLayout xmlns:a="http://schemas.openxmlformats.org/drawingml/2006/main" xmlns:p="http://schemas.openxmlformats.org/presentationml/2006/main" xmlns:r="http://schemas.openxmlformats.org/officeDocument/2006/relationships" type="twoObjAndObj" preserve="1">
+  <p:cSld name="Title, 2 Content and Content">
+    <p:spTree>
+      <p:nvGrpSpPr>
+        <p:cNvPr id="1" name=""/>
+        <p:cNvGrpSpPr/>
+        <p:nvPr/>
+      </p:nvGrpSpPr>
+      <p:grpSpPr>
+        <a:xfrm>
+          <a:off x="0" y="0"/>
+          <a:ext cx="0" cy="0"/>
+          <a:chOff x="0" y="0"/>
+          <a:chExt cx="0" cy="0"/>
+        </a:xfrm>
+      </p:grpSpPr>
+      <p:sp>
+        <p:nvSpPr>
+          <p:cNvPr id="47" name="PlaceHolder 1"/>
+          <p:cNvSpPr>
+            <a:spLocks noGrp="1"/>
+          </p:cNvSpPr>
+          <p:nvPr>
+            <p:ph type="title"/>
+          </p:nvPr>
+        </p:nvSpPr>
+        <p:spPr>
+          <a:xfrm>
+            <a:off x="504000" y="301320"/>
+            <a:ext cx="9071280" cy="1261800"/>
+          </a:xfrm>
+          <a:prstGeom prst="rect">
+            <a:avLst/>
+          </a:prstGeom>
+        </p:spPr>
+        <p:txBody>
+          <a:bodyPr lIns="0" rIns="0" tIns="0" bIns="0" anchor="ctr"/>
+          <a:p>
+            <a:pPr algn="ctr"/>
+            <a:endParaRPr/>
+          </a:p>
+        </p:txBody>
+      </p:sp>
+      <p:sp>
+        <p:nvSpPr>
+          <p:cNvPr id="48" name="PlaceHolder 2"/>
+          <p:cNvSpPr>
+            <a:spLocks noGrp="1"/>
+          </p:cNvSpPr>
+          <p:nvPr>
+            <p:ph type="body"/>
+          </p:nvPr>
+        </p:nvSpPr>
+        <p:spPr>
+          <a:xfrm>
+            <a:off x="504000" y="1769040"/>
+            <a:ext cx="4426560" cy="2090880"/>
+          </a:xfrm>
+          <a:prstGeom prst="rect">
+            <a:avLst/>
+          </a:prstGeom>
+        </p:spPr>
+        <p:txBody>
+          <a:bodyPr lIns="0" rIns="0" tIns="0" bIns="0"/>
+          <a:p>
+            <a:endParaRPr/>
+          </a:p>
+        </p:txBody>
+      </p:sp>
+      <p:sp>
+        <p:nvSpPr>
+          <p:cNvPr id="49" name="PlaceHolder 3"/>
+          <p:cNvSpPr>
+            <a:spLocks noGrp="1"/>
+          </p:cNvSpPr>
+          <p:nvPr>
+            <p:ph type="body"/>
+          </p:nvPr>
+        </p:nvSpPr>
+        <p:spPr>
+          <a:xfrm>
+            <a:off x="504000" y="4059000"/>
+            <a:ext cx="4426560" cy="2090880"/>
+          </a:xfrm>
+          <a:prstGeom prst="rect">
+            <a:avLst/>
+          </a:prstGeom>
+        </p:spPr>
+        <p:txBody>
+          <a:bodyPr lIns="0" rIns="0" tIns="0" bIns="0"/>
+          <a:p>
+            <a:endParaRPr/>
+          </a:p>
+        </p:txBody>
+      </p:sp>
+      <p:sp>
+        <p:nvSpPr>
+          <p:cNvPr id="50" name="PlaceHolder 4"/>
+          <p:cNvSpPr>
+            <a:spLocks noGrp="1"/>
+          </p:cNvSpPr>
+          <p:nvPr>
+            <p:ph type="body"/>
+          </p:nvPr>
+        </p:nvSpPr>
+        <p:spPr>
+          <a:xfrm>
+            <a:off x="5152320" y="1769040"/>
+            <a:ext cx="4426560" cy="4384080"/>
+          </a:xfrm>
+          <a:prstGeom prst="rect">
+            <a:avLst/>
+          </a:prstGeom>
+        </p:spPr>
+        <p:txBody>
+          <a:bodyPr lIns="0" rIns="0" tIns="0" bIns="0"/>
+          <a:p>
+            <a:endParaRPr/>
+          </a:p>
+        </p:txBody>
+      </p:sp>
     </p:spTree>
   </p:cSld>
 </p:sldLayout>
@@ -460,7 +961,7 @@
       </p:grpSpPr>
       <p:sp>
         <p:nvSpPr>
-          <p:cNvPr id="5" name="PlaceHolder 1"/>
+          <p:cNvPr id="2" name="PlaceHolder 1"/>
           <p:cNvSpPr>
             <a:spLocks noGrp="1"/>
           </p:cNvSpPr>
@@ -471,7 +972,7 @@
         <p:spPr>
           <a:xfrm>
             <a:off x="504000" y="301320"/>
-            <a:ext cx="9071640" cy="1262160"/>
+            <a:ext cx="9071280" cy="1261800"/>
           </a:xfrm>
           <a:prstGeom prst="rect">
             <a:avLst/>
@@ -487,7 +988,7 @@
       </p:sp>
       <p:sp>
         <p:nvSpPr>
-          <p:cNvPr id="6" name="PlaceHolder 2"/>
+          <p:cNvPr id="3" name="PlaceHolder 2"/>
           <p:cNvSpPr>
             <a:spLocks noGrp="1"/>
           </p:cNvSpPr>
@@ -498,7 +999,985 @@
         <p:spPr>
           <a:xfrm>
             <a:off x="504000" y="1769040"/>
-            <a:ext cx="9071640" cy="4384440"/>
+            <a:ext cx="9071280" cy="4384080"/>
+          </a:xfrm>
+          <a:prstGeom prst="rect">
+            <a:avLst/>
+          </a:prstGeom>
+        </p:spPr>
+        <p:txBody>
+          <a:bodyPr lIns="0" rIns="0" tIns="0" bIns="0" anchor="ctr"/>
+          <a:p>
+            <a:pPr algn="ctr"/>
+            <a:endParaRPr/>
+          </a:p>
+        </p:txBody>
+      </p:sp>
+    </p:spTree>
+  </p:cSld>
+</p:sldLayout>
+</file>
+
+<file path=ppt/slideLayouts/slideLayout20.xml><?xml version="1.0" encoding="utf-8"?>
+<p:sldLayout xmlns:a="http://schemas.openxmlformats.org/drawingml/2006/main" xmlns:p="http://schemas.openxmlformats.org/presentationml/2006/main" xmlns:r="http://schemas.openxmlformats.org/officeDocument/2006/relationships" type="objAndTwoObj" preserve="1">
+  <p:cSld name="Title Content and 2 Content">
+    <p:spTree>
+      <p:nvGrpSpPr>
+        <p:cNvPr id="1" name=""/>
+        <p:cNvGrpSpPr/>
+        <p:nvPr/>
+      </p:nvGrpSpPr>
+      <p:grpSpPr>
+        <a:xfrm>
+          <a:off x="0" y="0"/>
+          <a:ext cx="0" cy="0"/>
+          <a:chOff x="0" y="0"/>
+          <a:chExt cx="0" cy="0"/>
+        </a:xfrm>
+      </p:grpSpPr>
+      <p:sp>
+        <p:nvSpPr>
+          <p:cNvPr id="51" name="PlaceHolder 1"/>
+          <p:cNvSpPr>
+            <a:spLocks noGrp="1"/>
+          </p:cNvSpPr>
+          <p:nvPr>
+            <p:ph type="title"/>
+          </p:nvPr>
+        </p:nvSpPr>
+        <p:spPr>
+          <a:xfrm>
+            <a:off x="504000" y="301320"/>
+            <a:ext cx="9071280" cy="1261800"/>
+          </a:xfrm>
+          <a:prstGeom prst="rect">
+            <a:avLst/>
+          </a:prstGeom>
+        </p:spPr>
+        <p:txBody>
+          <a:bodyPr lIns="0" rIns="0" tIns="0" bIns="0" anchor="ctr"/>
+          <a:p>
+            <a:pPr algn="ctr"/>
+            <a:endParaRPr/>
+          </a:p>
+        </p:txBody>
+      </p:sp>
+      <p:sp>
+        <p:nvSpPr>
+          <p:cNvPr id="52" name="PlaceHolder 2"/>
+          <p:cNvSpPr>
+            <a:spLocks noGrp="1"/>
+          </p:cNvSpPr>
+          <p:nvPr>
+            <p:ph type="body"/>
+          </p:nvPr>
+        </p:nvSpPr>
+        <p:spPr>
+          <a:xfrm>
+            <a:off x="504000" y="1769040"/>
+            <a:ext cx="4426560" cy="4384080"/>
+          </a:xfrm>
+          <a:prstGeom prst="rect">
+            <a:avLst/>
+          </a:prstGeom>
+        </p:spPr>
+        <p:txBody>
+          <a:bodyPr lIns="0" rIns="0" tIns="0" bIns="0"/>
+          <a:p>
+            <a:endParaRPr/>
+          </a:p>
+        </p:txBody>
+      </p:sp>
+      <p:sp>
+        <p:nvSpPr>
+          <p:cNvPr id="53" name="PlaceHolder 3"/>
+          <p:cNvSpPr>
+            <a:spLocks noGrp="1"/>
+          </p:cNvSpPr>
+          <p:nvPr>
+            <p:ph type="body"/>
+          </p:nvPr>
+        </p:nvSpPr>
+        <p:spPr>
+          <a:xfrm>
+            <a:off x="5152320" y="1769040"/>
+            <a:ext cx="4426560" cy="2090880"/>
+          </a:xfrm>
+          <a:prstGeom prst="rect">
+            <a:avLst/>
+          </a:prstGeom>
+        </p:spPr>
+        <p:txBody>
+          <a:bodyPr lIns="0" rIns="0" tIns="0" bIns="0"/>
+          <a:p>
+            <a:endParaRPr/>
+          </a:p>
+        </p:txBody>
+      </p:sp>
+      <p:sp>
+        <p:nvSpPr>
+          <p:cNvPr id="54" name="PlaceHolder 4"/>
+          <p:cNvSpPr>
+            <a:spLocks noGrp="1"/>
+          </p:cNvSpPr>
+          <p:nvPr>
+            <p:ph type="body"/>
+          </p:nvPr>
+        </p:nvSpPr>
+        <p:spPr>
+          <a:xfrm>
+            <a:off x="5152320" y="4059000"/>
+            <a:ext cx="4426560" cy="2090880"/>
+          </a:xfrm>
+          <a:prstGeom prst="rect">
+            <a:avLst/>
+          </a:prstGeom>
+        </p:spPr>
+        <p:txBody>
+          <a:bodyPr lIns="0" rIns="0" tIns="0" bIns="0"/>
+          <a:p>
+            <a:endParaRPr/>
+          </a:p>
+        </p:txBody>
+      </p:sp>
+    </p:spTree>
+  </p:cSld>
+</p:sldLayout>
+</file>
+
+<file path=ppt/slideLayouts/slideLayout21.xml><?xml version="1.0" encoding="utf-8"?>
+<p:sldLayout xmlns:a="http://schemas.openxmlformats.org/drawingml/2006/main" xmlns:p="http://schemas.openxmlformats.org/presentationml/2006/main" xmlns:r="http://schemas.openxmlformats.org/officeDocument/2006/relationships" type="twoObjOverTx" preserve="1">
+  <p:cSld name="Title, 2 Content over Content">
+    <p:spTree>
+      <p:nvGrpSpPr>
+        <p:cNvPr id="1" name=""/>
+        <p:cNvGrpSpPr/>
+        <p:nvPr/>
+      </p:nvGrpSpPr>
+      <p:grpSpPr>
+        <a:xfrm>
+          <a:off x="0" y="0"/>
+          <a:ext cx="0" cy="0"/>
+          <a:chOff x="0" y="0"/>
+          <a:chExt cx="0" cy="0"/>
+        </a:xfrm>
+      </p:grpSpPr>
+      <p:sp>
+        <p:nvSpPr>
+          <p:cNvPr id="55" name="PlaceHolder 1"/>
+          <p:cNvSpPr>
+            <a:spLocks noGrp="1"/>
+          </p:cNvSpPr>
+          <p:nvPr>
+            <p:ph type="title"/>
+          </p:nvPr>
+        </p:nvSpPr>
+        <p:spPr>
+          <a:xfrm>
+            <a:off x="504000" y="301320"/>
+            <a:ext cx="9071280" cy="1261800"/>
+          </a:xfrm>
+          <a:prstGeom prst="rect">
+            <a:avLst/>
+          </a:prstGeom>
+        </p:spPr>
+        <p:txBody>
+          <a:bodyPr lIns="0" rIns="0" tIns="0" bIns="0" anchor="ctr"/>
+          <a:p>
+            <a:pPr algn="ctr"/>
+            <a:endParaRPr/>
+          </a:p>
+        </p:txBody>
+      </p:sp>
+      <p:sp>
+        <p:nvSpPr>
+          <p:cNvPr id="56" name="PlaceHolder 2"/>
+          <p:cNvSpPr>
+            <a:spLocks noGrp="1"/>
+          </p:cNvSpPr>
+          <p:nvPr>
+            <p:ph type="body"/>
+          </p:nvPr>
+        </p:nvSpPr>
+        <p:spPr>
+          <a:xfrm>
+            <a:off x="504000" y="1769040"/>
+            <a:ext cx="4426560" cy="2090880"/>
+          </a:xfrm>
+          <a:prstGeom prst="rect">
+            <a:avLst/>
+          </a:prstGeom>
+        </p:spPr>
+        <p:txBody>
+          <a:bodyPr lIns="0" rIns="0" tIns="0" bIns="0"/>
+          <a:p>
+            <a:endParaRPr/>
+          </a:p>
+        </p:txBody>
+      </p:sp>
+      <p:sp>
+        <p:nvSpPr>
+          <p:cNvPr id="57" name="PlaceHolder 3"/>
+          <p:cNvSpPr>
+            <a:spLocks noGrp="1"/>
+          </p:cNvSpPr>
+          <p:nvPr>
+            <p:ph type="body"/>
+          </p:nvPr>
+        </p:nvSpPr>
+        <p:spPr>
+          <a:xfrm>
+            <a:off x="5152320" y="1769040"/>
+            <a:ext cx="4426560" cy="2090880"/>
+          </a:xfrm>
+          <a:prstGeom prst="rect">
+            <a:avLst/>
+          </a:prstGeom>
+        </p:spPr>
+        <p:txBody>
+          <a:bodyPr lIns="0" rIns="0" tIns="0" bIns="0"/>
+          <a:p>
+            <a:endParaRPr/>
+          </a:p>
+        </p:txBody>
+      </p:sp>
+      <p:sp>
+        <p:nvSpPr>
+          <p:cNvPr id="58" name="PlaceHolder 4"/>
+          <p:cNvSpPr>
+            <a:spLocks noGrp="1"/>
+          </p:cNvSpPr>
+          <p:nvPr>
+            <p:ph type="body"/>
+          </p:nvPr>
+        </p:nvSpPr>
+        <p:spPr>
+          <a:xfrm>
+            <a:off x="504000" y="4059000"/>
+            <a:ext cx="9071280" cy="2090880"/>
+          </a:xfrm>
+          <a:prstGeom prst="rect">
+            <a:avLst/>
+          </a:prstGeom>
+        </p:spPr>
+        <p:txBody>
+          <a:bodyPr lIns="0" rIns="0" tIns="0" bIns="0"/>
+          <a:p>
+            <a:endParaRPr/>
+          </a:p>
+        </p:txBody>
+      </p:sp>
+    </p:spTree>
+  </p:cSld>
+</p:sldLayout>
+</file>
+
+<file path=ppt/slideLayouts/slideLayout22.xml><?xml version="1.0" encoding="utf-8"?>
+<p:sldLayout xmlns:a="http://schemas.openxmlformats.org/drawingml/2006/main" xmlns:p="http://schemas.openxmlformats.org/presentationml/2006/main" xmlns:r="http://schemas.openxmlformats.org/officeDocument/2006/relationships" type="objOverTx" preserve="1">
+  <p:cSld name="Title, Content over Content">
+    <p:spTree>
+      <p:nvGrpSpPr>
+        <p:cNvPr id="1" name=""/>
+        <p:cNvGrpSpPr/>
+        <p:nvPr/>
+      </p:nvGrpSpPr>
+      <p:grpSpPr>
+        <a:xfrm>
+          <a:off x="0" y="0"/>
+          <a:ext cx="0" cy="0"/>
+          <a:chOff x="0" y="0"/>
+          <a:chExt cx="0" cy="0"/>
+        </a:xfrm>
+      </p:grpSpPr>
+      <p:sp>
+        <p:nvSpPr>
+          <p:cNvPr id="59" name="PlaceHolder 1"/>
+          <p:cNvSpPr>
+            <a:spLocks noGrp="1"/>
+          </p:cNvSpPr>
+          <p:nvPr>
+            <p:ph type="title"/>
+          </p:nvPr>
+        </p:nvSpPr>
+        <p:spPr>
+          <a:xfrm>
+            <a:off x="504000" y="301320"/>
+            <a:ext cx="9071280" cy="1261800"/>
+          </a:xfrm>
+          <a:prstGeom prst="rect">
+            <a:avLst/>
+          </a:prstGeom>
+        </p:spPr>
+        <p:txBody>
+          <a:bodyPr lIns="0" rIns="0" tIns="0" bIns="0" anchor="ctr"/>
+          <a:p>
+            <a:pPr algn="ctr"/>
+            <a:endParaRPr/>
+          </a:p>
+        </p:txBody>
+      </p:sp>
+      <p:sp>
+        <p:nvSpPr>
+          <p:cNvPr id="60" name="PlaceHolder 2"/>
+          <p:cNvSpPr>
+            <a:spLocks noGrp="1"/>
+          </p:cNvSpPr>
+          <p:nvPr>
+            <p:ph type="body"/>
+          </p:nvPr>
+        </p:nvSpPr>
+        <p:spPr>
+          <a:xfrm>
+            <a:off x="504000" y="1769040"/>
+            <a:ext cx="9071280" cy="2090880"/>
+          </a:xfrm>
+          <a:prstGeom prst="rect">
+            <a:avLst/>
+          </a:prstGeom>
+        </p:spPr>
+        <p:txBody>
+          <a:bodyPr lIns="0" rIns="0" tIns="0" bIns="0"/>
+          <a:p>
+            <a:endParaRPr/>
+          </a:p>
+        </p:txBody>
+      </p:sp>
+      <p:sp>
+        <p:nvSpPr>
+          <p:cNvPr id="61" name="PlaceHolder 3"/>
+          <p:cNvSpPr>
+            <a:spLocks noGrp="1"/>
+          </p:cNvSpPr>
+          <p:nvPr>
+            <p:ph type="body"/>
+          </p:nvPr>
+        </p:nvSpPr>
+        <p:spPr>
+          <a:xfrm>
+            <a:off x="504000" y="4059000"/>
+            <a:ext cx="9071280" cy="2090880"/>
+          </a:xfrm>
+          <a:prstGeom prst="rect">
+            <a:avLst/>
+          </a:prstGeom>
+        </p:spPr>
+        <p:txBody>
+          <a:bodyPr lIns="0" rIns="0" tIns="0" bIns="0"/>
+          <a:p>
+            <a:endParaRPr/>
+          </a:p>
+        </p:txBody>
+      </p:sp>
+    </p:spTree>
+  </p:cSld>
+</p:sldLayout>
+</file>
+
+<file path=ppt/slideLayouts/slideLayout23.xml><?xml version="1.0" encoding="utf-8"?>
+<p:sldLayout xmlns:a="http://schemas.openxmlformats.org/drawingml/2006/main" xmlns:p="http://schemas.openxmlformats.org/presentationml/2006/main" xmlns:r="http://schemas.openxmlformats.org/officeDocument/2006/relationships" type="fourObj" preserve="1">
+  <p:cSld name="Title, 4 Content">
+    <p:spTree>
+      <p:nvGrpSpPr>
+        <p:cNvPr id="1" name=""/>
+        <p:cNvGrpSpPr/>
+        <p:nvPr/>
+      </p:nvGrpSpPr>
+      <p:grpSpPr>
+        <a:xfrm>
+          <a:off x="0" y="0"/>
+          <a:ext cx="0" cy="0"/>
+          <a:chOff x="0" y="0"/>
+          <a:chExt cx="0" cy="0"/>
+        </a:xfrm>
+      </p:grpSpPr>
+      <p:sp>
+        <p:nvSpPr>
+          <p:cNvPr id="62" name="PlaceHolder 1"/>
+          <p:cNvSpPr>
+            <a:spLocks noGrp="1"/>
+          </p:cNvSpPr>
+          <p:nvPr>
+            <p:ph type="title"/>
+          </p:nvPr>
+        </p:nvSpPr>
+        <p:spPr>
+          <a:xfrm>
+            <a:off x="504000" y="301320"/>
+            <a:ext cx="9071280" cy="1261800"/>
+          </a:xfrm>
+          <a:prstGeom prst="rect">
+            <a:avLst/>
+          </a:prstGeom>
+        </p:spPr>
+        <p:txBody>
+          <a:bodyPr lIns="0" rIns="0" tIns="0" bIns="0" anchor="ctr"/>
+          <a:p>
+            <a:pPr algn="ctr"/>
+            <a:endParaRPr/>
+          </a:p>
+        </p:txBody>
+      </p:sp>
+      <p:sp>
+        <p:nvSpPr>
+          <p:cNvPr id="63" name="PlaceHolder 2"/>
+          <p:cNvSpPr>
+            <a:spLocks noGrp="1"/>
+          </p:cNvSpPr>
+          <p:nvPr>
+            <p:ph type="body"/>
+          </p:nvPr>
+        </p:nvSpPr>
+        <p:spPr>
+          <a:xfrm>
+            <a:off x="504000" y="1769040"/>
+            <a:ext cx="4426560" cy="2090880"/>
+          </a:xfrm>
+          <a:prstGeom prst="rect">
+            <a:avLst/>
+          </a:prstGeom>
+        </p:spPr>
+        <p:txBody>
+          <a:bodyPr lIns="0" rIns="0" tIns="0" bIns="0"/>
+          <a:p>
+            <a:endParaRPr/>
+          </a:p>
+        </p:txBody>
+      </p:sp>
+      <p:sp>
+        <p:nvSpPr>
+          <p:cNvPr id="64" name="PlaceHolder 3"/>
+          <p:cNvSpPr>
+            <a:spLocks noGrp="1"/>
+          </p:cNvSpPr>
+          <p:nvPr>
+            <p:ph type="body"/>
+          </p:nvPr>
+        </p:nvSpPr>
+        <p:spPr>
+          <a:xfrm>
+            <a:off x="5152320" y="1769040"/>
+            <a:ext cx="4426560" cy="2090880"/>
+          </a:xfrm>
+          <a:prstGeom prst="rect">
+            <a:avLst/>
+          </a:prstGeom>
+        </p:spPr>
+        <p:txBody>
+          <a:bodyPr lIns="0" rIns="0" tIns="0" bIns="0"/>
+          <a:p>
+            <a:endParaRPr/>
+          </a:p>
+        </p:txBody>
+      </p:sp>
+      <p:sp>
+        <p:nvSpPr>
+          <p:cNvPr id="65" name="PlaceHolder 4"/>
+          <p:cNvSpPr>
+            <a:spLocks noGrp="1"/>
+          </p:cNvSpPr>
+          <p:nvPr>
+            <p:ph type="body"/>
+          </p:nvPr>
+        </p:nvSpPr>
+        <p:spPr>
+          <a:xfrm>
+            <a:off x="5152320" y="4059000"/>
+            <a:ext cx="4426560" cy="2090880"/>
+          </a:xfrm>
+          <a:prstGeom prst="rect">
+            <a:avLst/>
+          </a:prstGeom>
+        </p:spPr>
+        <p:txBody>
+          <a:bodyPr lIns="0" rIns="0" tIns="0" bIns="0"/>
+          <a:p>
+            <a:endParaRPr/>
+          </a:p>
+        </p:txBody>
+      </p:sp>
+      <p:sp>
+        <p:nvSpPr>
+          <p:cNvPr id="66" name="PlaceHolder 5"/>
+          <p:cNvSpPr>
+            <a:spLocks noGrp="1"/>
+          </p:cNvSpPr>
+          <p:nvPr>
+            <p:ph type="body"/>
+          </p:nvPr>
+        </p:nvSpPr>
+        <p:spPr>
+          <a:xfrm>
+            <a:off x="504000" y="4059000"/>
+            <a:ext cx="4426560" cy="2090880"/>
+          </a:xfrm>
+          <a:prstGeom prst="rect">
+            <a:avLst/>
+          </a:prstGeom>
+        </p:spPr>
+        <p:txBody>
+          <a:bodyPr lIns="0" rIns="0" tIns="0" bIns="0"/>
+          <a:p>
+            <a:endParaRPr/>
+          </a:p>
+        </p:txBody>
+      </p:sp>
+    </p:spTree>
+  </p:cSld>
+</p:sldLayout>
+</file>
+
+<file path=ppt/slideLayouts/slideLayout24.xml><?xml version="1.0" encoding="utf-8"?>
+<p:sldLayout xmlns:a="http://schemas.openxmlformats.org/drawingml/2006/main" xmlns:p="http://schemas.openxmlformats.org/presentationml/2006/main" xmlns:r="http://schemas.openxmlformats.org/officeDocument/2006/relationships" type="blank" preserve="1">
+  <p:cSld name="Title, 6 Content">
+    <p:spTree>
+      <p:nvGrpSpPr>
+        <p:cNvPr id="1" name=""/>
+        <p:cNvGrpSpPr/>
+        <p:nvPr/>
+      </p:nvGrpSpPr>
+      <p:grpSpPr>
+        <a:xfrm>
+          <a:off x="0" y="0"/>
+          <a:ext cx="0" cy="0"/>
+          <a:chOff x="0" y="0"/>
+          <a:chExt cx="0" cy="0"/>
+        </a:xfrm>
+      </p:grpSpPr>
+      <p:sp>
+        <p:nvSpPr>
+          <p:cNvPr id="67" name="PlaceHolder 1"/>
+          <p:cNvSpPr>
+            <a:spLocks noGrp="1"/>
+          </p:cNvSpPr>
+          <p:nvPr>
+            <p:ph type="title"/>
+          </p:nvPr>
+        </p:nvSpPr>
+        <p:spPr>
+          <a:xfrm>
+            <a:off x="504000" y="301320"/>
+            <a:ext cx="9071280" cy="1261800"/>
+          </a:xfrm>
+          <a:prstGeom prst="rect">
+            <a:avLst/>
+          </a:prstGeom>
+        </p:spPr>
+        <p:txBody>
+          <a:bodyPr lIns="0" rIns="0" tIns="0" bIns="0" anchor="ctr"/>
+          <a:p>
+            <a:pPr algn="ctr"/>
+            <a:endParaRPr/>
+          </a:p>
+        </p:txBody>
+      </p:sp>
+      <p:sp>
+        <p:nvSpPr>
+          <p:cNvPr id="68" name="PlaceHolder 2"/>
+          <p:cNvSpPr>
+            <a:spLocks noGrp="1"/>
+          </p:cNvSpPr>
+          <p:nvPr>
+            <p:ph type="body"/>
+          </p:nvPr>
+        </p:nvSpPr>
+        <p:spPr>
+          <a:xfrm>
+            <a:off x="504000" y="1769040"/>
+            <a:ext cx="9071280" cy="4384080"/>
+          </a:xfrm>
+          <a:prstGeom prst="rect">
+            <a:avLst/>
+          </a:prstGeom>
+        </p:spPr>
+        <p:txBody>
+          <a:bodyPr lIns="0" rIns="0" tIns="0" bIns="0"/>
+          <a:p>
+            <a:endParaRPr/>
+          </a:p>
+        </p:txBody>
+      </p:sp>
+      <p:sp>
+        <p:nvSpPr>
+          <p:cNvPr id="69" name="PlaceHolder 3"/>
+          <p:cNvSpPr>
+            <a:spLocks noGrp="1"/>
+          </p:cNvSpPr>
+          <p:nvPr>
+            <p:ph type="body"/>
+          </p:nvPr>
+        </p:nvSpPr>
+        <p:spPr>
+          <a:xfrm>
+            <a:off x="504000" y="1769040"/>
+            <a:ext cx="9071280" cy="4384080"/>
+          </a:xfrm>
+          <a:prstGeom prst="rect">
+            <a:avLst/>
+          </a:prstGeom>
+        </p:spPr>
+        <p:txBody>
+          <a:bodyPr lIns="0" rIns="0" tIns="0" bIns="0"/>
+          <a:p>
+            <a:endParaRPr/>
+          </a:p>
+        </p:txBody>
+      </p:sp>
+      <p:pic>
+        <p:nvPicPr>
+          <p:cNvPr id="70" name="" descr=""/>
+          <p:cNvPicPr/>
+          <p:nvPr/>
+        </p:nvPicPr>
+        <p:blipFill>
+          <a:blip r:embed="rId2"/>
+          <a:stretch/>
+        </p:blipFill>
+        <p:spPr>
+          <a:xfrm>
+            <a:off x="2291040" y="1769040"/>
+            <a:ext cx="5496840" cy="4384080"/>
+          </a:xfrm>
+          <a:prstGeom prst="rect">
+            <a:avLst/>
+          </a:prstGeom>
+          <a:ln>
+            <a:noFill/>
+          </a:ln>
+        </p:spPr>
+      </p:pic>
+      <p:pic>
+        <p:nvPicPr>
+          <p:cNvPr id="71" name="" descr=""/>
+          <p:cNvPicPr/>
+          <p:nvPr/>
+        </p:nvPicPr>
+        <p:blipFill>
+          <a:blip r:embed="rId3"/>
+          <a:stretch/>
+        </p:blipFill>
+        <p:spPr>
+          <a:xfrm>
+            <a:off x="2291040" y="1769040"/>
+            <a:ext cx="5496840" cy="4384080"/>
+          </a:xfrm>
+          <a:prstGeom prst="rect">
+            <a:avLst/>
+          </a:prstGeom>
+          <a:ln>
+            <a:noFill/>
+          </a:ln>
+        </p:spPr>
+      </p:pic>
+    </p:spTree>
+  </p:cSld>
+</p:sldLayout>
+</file>
+
+<file path=ppt/slideLayouts/slideLayout25.xml><?xml version="1.0" encoding="utf-8"?>
+<p:sldLayout xmlns:a="http://schemas.openxmlformats.org/drawingml/2006/main" xmlns:p="http://schemas.openxmlformats.org/presentationml/2006/main" xmlns:r="http://schemas.openxmlformats.org/officeDocument/2006/relationships" type="blank" preserve="1">
+  <p:cSld name="Blank Slide">
+    <p:spTree>
+      <p:nvGrpSpPr>
+        <p:cNvPr id="1" name=""/>
+        <p:cNvGrpSpPr/>
+        <p:nvPr/>
+      </p:nvGrpSpPr>
+      <p:grpSpPr>
+        <a:xfrm>
+          <a:off x="0" y="0"/>
+          <a:ext cx="0" cy="0"/>
+          <a:chOff x="0" y="0"/>
+          <a:chExt cx="0" cy="0"/>
+        </a:xfrm>
+      </p:grpSpPr>
+    </p:spTree>
+  </p:cSld>
+</p:sldLayout>
+</file>
+
+<file path=ppt/slideLayouts/slideLayout26.xml><?xml version="1.0" encoding="utf-8"?>
+<p:sldLayout xmlns:a="http://schemas.openxmlformats.org/drawingml/2006/main" xmlns:p="http://schemas.openxmlformats.org/presentationml/2006/main" xmlns:r="http://schemas.openxmlformats.org/officeDocument/2006/relationships" type="tx" preserve="1">
+  <p:cSld name="Title Slide">
+    <p:spTree>
+      <p:nvGrpSpPr>
+        <p:cNvPr id="1" name=""/>
+        <p:cNvGrpSpPr/>
+        <p:nvPr/>
+      </p:nvGrpSpPr>
+      <p:grpSpPr>
+        <a:xfrm>
+          <a:off x="0" y="0"/>
+          <a:ext cx="0" cy="0"/>
+          <a:chOff x="0" y="0"/>
+          <a:chExt cx="0" cy="0"/>
+        </a:xfrm>
+      </p:grpSpPr>
+      <p:sp>
+        <p:nvSpPr>
+          <p:cNvPr id="75" name="PlaceHolder 1"/>
+          <p:cNvSpPr>
+            <a:spLocks noGrp="1"/>
+          </p:cNvSpPr>
+          <p:nvPr>
+            <p:ph type="title"/>
+          </p:nvPr>
+        </p:nvSpPr>
+        <p:spPr>
+          <a:xfrm>
+            <a:off x="504000" y="301320"/>
+            <a:ext cx="9071280" cy="1261800"/>
+          </a:xfrm>
+          <a:prstGeom prst="rect">
+            <a:avLst/>
+          </a:prstGeom>
+        </p:spPr>
+        <p:txBody>
+          <a:bodyPr lIns="0" rIns="0" tIns="0" bIns="0" anchor="ctr"/>
+          <a:p>
+            <a:pPr algn="ctr"/>
+            <a:endParaRPr/>
+          </a:p>
+        </p:txBody>
+      </p:sp>
+      <p:sp>
+        <p:nvSpPr>
+          <p:cNvPr id="76" name="PlaceHolder 2"/>
+          <p:cNvSpPr>
+            <a:spLocks noGrp="1"/>
+          </p:cNvSpPr>
+          <p:nvPr>
+            <p:ph type="subTitle"/>
+          </p:nvPr>
+        </p:nvSpPr>
+        <p:spPr>
+          <a:xfrm>
+            <a:off x="504000" y="1769040"/>
+            <a:ext cx="9071280" cy="4384080"/>
+          </a:xfrm>
+          <a:prstGeom prst="rect">
+            <a:avLst/>
+          </a:prstGeom>
+        </p:spPr>
+        <p:txBody>
+          <a:bodyPr lIns="0" rIns="0" tIns="0" bIns="0" anchor="ctr"/>
+          <a:p>
+            <a:pPr algn="ctr"/>
+            <a:endParaRPr/>
+          </a:p>
+        </p:txBody>
+      </p:sp>
+    </p:spTree>
+  </p:cSld>
+</p:sldLayout>
+</file>
+
+<file path=ppt/slideLayouts/slideLayout27.xml><?xml version="1.0" encoding="utf-8"?>
+<p:sldLayout xmlns:a="http://schemas.openxmlformats.org/drawingml/2006/main" xmlns:p="http://schemas.openxmlformats.org/presentationml/2006/main" xmlns:r="http://schemas.openxmlformats.org/officeDocument/2006/relationships" type="obj" preserve="1">
+  <p:cSld name="Title, Content">
+    <p:spTree>
+      <p:nvGrpSpPr>
+        <p:cNvPr id="1" name=""/>
+        <p:cNvGrpSpPr/>
+        <p:nvPr/>
+      </p:nvGrpSpPr>
+      <p:grpSpPr>
+        <a:xfrm>
+          <a:off x="0" y="0"/>
+          <a:ext cx="0" cy="0"/>
+          <a:chOff x="0" y="0"/>
+          <a:chExt cx="0" cy="0"/>
+        </a:xfrm>
+      </p:grpSpPr>
+      <p:sp>
+        <p:nvSpPr>
+          <p:cNvPr id="77" name="PlaceHolder 1"/>
+          <p:cNvSpPr>
+            <a:spLocks noGrp="1"/>
+          </p:cNvSpPr>
+          <p:nvPr>
+            <p:ph type="title"/>
+          </p:nvPr>
+        </p:nvSpPr>
+        <p:spPr>
+          <a:xfrm>
+            <a:off x="504000" y="301320"/>
+            <a:ext cx="9071280" cy="1261800"/>
+          </a:xfrm>
+          <a:prstGeom prst="rect">
+            <a:avLst/>
+          </a:prstGeom>
+        </p:spPr>
+        <p:txBody>
+          <a:bodyPr lIns="0" rIns="0" tIns="0" bIns="0" anchor="ctr"/>
+          <a:p>
+            <a:pPr algn="ctr"/>
+            <a:endParaRPr/>
+          </a:p>
+        </p:txBody>
+      </p:sp>
+      <p:sp>
+        <p:nvSpPr>
+          <p:cNvPr id="78" name="PlaceHolder 2"/>
+          <p:cNvSpPr>
+            <a:spLocks noGrp="1"/>
+          </p:cNvSpPr>
+          <p:nvPr>
+            <p:ph type="body"/>
+          </p:nvPr>
+        </p:nvSpPr>
+        <p:spPr>
+          <a:xfrm>
+            <a:off x="504000" y="1769040"/>
+            <a:ext cx="9071280" cy="4384080"/>
+          </a:xfrm>
+          <a:prstGeom prst="rect">
+            <a:avLst/>
+          </a:prstGeom>
+        </p:spPr>
+        <p:txBody>
+          <a:bodyPr lIns="0" rIns="0" tIns="0" bIns="0"/>
+          <a:p>
+            <a:endParaRPr/>
+          </a:p>
+        </p:txBody>
+      </p:sp>
+    </p:spTree>
+  </p:cSld>
+</p:sldLayout>
+</file>
+
+<file path=ppt/slideLayouts/slideLayout28.xml><?xml version="1.0" encoding="utf-8"?>
+<p:sldLayout xmlns:a="http://schemas.openxmlformats.org/drawingml/2006/main" xmlns:p="http://schemas.openxmlformats.org/presentationml/2006/main" xmlns:r="http://schemas.openxmlformats.org/officeDocument/2006/relationships" type="twoObj" preserve="1">
+  <p:cSld name="Title, 2 Content">
+    <p:spTree>
+      <p:nvGrpSpPr>
+        <p:cNvPr id="1" name=""/>
+        <p:cNvGrpSpPr/>
+        <p:nvPr/>
+      </p:nvGrpSpPr>
+      <p:grpSpPr>
+        <a:xfrm>
+          <a:off x="0" y="0"/>
+          <a:ext cx="0" cy="0"/>
+          <a:chOff x="0" y="0"/>
+          <a:chExt cx="0" cy="0"/>
+        </a:xfrm>
+      </p:grpSpPr>
+      <p:sp>
+        <p:nvSpPr>
+          <p:cNvPr id="79" name="PlaceHolder 1"/>
+          <p:cNvSpPr>
+            <a:spLocks noGrp="1"/>
+          </p:cNvSpPr>
+          <p:nvPr>
+            <p:ph type="title"/>
+          </p:nvPr>
+        </p:nvSpPr>
+        <p:spPr>
+          <a:xfrm>
+            <a:off x="504000" y="301320"/>
+            <a:ext cx="9071280" cy="1261800"/>
+          </a:xfrm>
+          <a:prstGeom prst="rect">
+            <a:avLst/>
+          </a:prstGeom>
+        </p:spPr>
+        <p:txBody>
+          <a:bodyPr lIns="0" rIns="0" tIns="0" bIns="0" anchor="ctr"/>
+          <a:p>
+            <a:pPr algn="ctr"/>
+            <a:endParaRPr/>
+          </a:p>
+        </p:txBody>
+      </p:sp>
+      <p:sp>
+        <p:nvSpPr>
+          <p:cNvPr id="80" name="PlaceHolder 2"/>
+          <p:cNvSpPr>
+            <a:spLocks noGrp="1"/>
+          </p:cNvSpPr>
+          <p:nvPr>
+            <p:ph type="body"/>
+          </p:nvPr>
+        </p:nvSpPr>
+        <p:spPr>
+          <a:xfrm>
+            <a:off x="504000" y="1769040"/>
+            <a:ext cx="4426560" cy="4384080"/>
+          </a:xfrm>
+          <a:prstGeom prst="rect">
+            <a:avLst/>
+          </a:prstGeom>
+        </p:spPr>
+        <p:txBody>
+          <a:bodyPr lIns="0" rIns="0" tIns="0" bIns="0"/>
+          <a:p>
+            <a:endParaRPr/>
+          </a:p>
+        </p:txBody>
+      </p:sp>
+      <p:sp>
+        <p:nvSpPr>
+          <p:cNvPr id="81" name="PlaceHolder 3"/>
+          <p:cNvSpPr>
+            <a:spLocks noGrp="1"/>
+          </p:cNvSpPr>
+          <p:nvPr>
+            <p:ph type="body"/>
+          </p:nvPr>
+        </p:nvSpPr>
+        <p:spPr>
+          <a:xfrm>
+            <a:off x="5152320" y="1769040"/>
+            <a:ext cx="4426560" cy="4384080"/>
+          </a:xfrm>
+          <a:prstGeom prst="rect">
+            <a:avLst/>
+          </a:prstGeom>
+        </p:spPr>
+        <p:txBody>
+          <a:bodyPr lIns="0" rIns="0" tIns="0" bIns="0"/>
+          <a:p>
+            <a:endParaRPr/>
+          </a:p>
+        </p:txBody>
+      </p:sp>
+    </p:spTree>
+  </p:cSld>
+</p:sldLayout>
+</file>
+
+<file path=ppt/slideLayouts/slideLayout29.xml><?xml version="1.0" encoding="utf-8"?>
+<p:sldLayout xmlns:a="http://schemas.openxmlformats.org/drawingml/2006/main" xmlns:p="http://schemas.openxmlformats.org/presentationml/2006/main" xmlns:r="http://schemas.openxmlformats.org/officeDocument/2006/relationships" type="titleOnly" preserve="1">
+  <p:cSld name="Title Only">
+    <p:spTree>
+      <p:nvGrpSpPr>
+        <p:cNvPr id="1" name=""/>
+        <p:cNvGrpSpPr/>
+        <p:nvPr/>
+      </p:nvGrpSpPr>
+      <p:grpSpPr>
+        <a:xfrm>
+          <a:off x="0" y="0"/>
+          <a:ext cx="0" cy="0"/>
+          <a:chOff x="0" y="0"/>
+          <a:chExt cx="0" cy="0"/>
+        </a:xfrm>
+      </p:grpSpPr>
+      <p:sp>
+        <p:nvSpPr>
+          <p:cNvPr id="82" name="PlaceHolder 1"/>
+          <p:cNvSpPr>
+            <a:spLocks noGrp="1"/>
+          </p:cNvSpPr>
+          <p:nvPr>
+            <p:ph type="title"/>
+          </p:nvPr>
+        </p:nvSpPr>
+        <p:spPr>
+          <a:xfrm>
+            <a:off x="504000" y="301320"/>
+            <a:ext cx="9071280" cy="1261800"/>
           </a:xfrm>
           <a:prstGeom prst="rect">
             <a:avLst/>
@@ -536,7 +2015,7 @@
       </p:grpSpPr>
       <p:sp>
         <p:nvSpPr>
-          <p:cNvPr id="7" name="PlaceHolder 1"/>
+          <p:cNvPr id="4" name="PlaceHolder 1"/>
           <p:cNvSpPr>
             <a:spLocks noGrp="1"/>
           </p:cNvSpPr>
@@ -547,7 +2026,7 @@
         <p:spPr>
           <a:xfrm>
             <a:off x="504000" y="301320"/>
-            <a:ext cx="9071640" cy="1262160"/>
+            <a:ext cx="9071280" cy="1261800"/>
           </a:xfrm>
           <a:prstGeom prst="rect">
             <a:avLst/>
@@ -563,7 +2042,7 @@
       </p:sp>
       <p:sp>
         <p:nvSpPr>
-          <p:cNvPr id="8" name="PlaceHolder 2"/>
+          <p:cNvPr id="5" name="PlaceHolder 2"/>
           <p:cNvSpPr>
             <a:spLocks noGrp="1"/>
           </p:cNvSpPr>
@@ -574,19 +2053,850 @@
         <p:spPr>
           <a:xfrm>
             <a:off x="504000" y="1769040"/>
-            <a:ext cx="9071640" cy="4384440"/>
-          </a:xfrm>
-          <a:prstGeom prst="rect">
-            <a:avLst/>
-          </a:prstGeom>
-        </p:spPr>
-        <p:txBody>
-          <a:bodyPr lIns="0" rIns="0" tIns="0" bIns="0"/>
-          <a:p>
-            <a:endParaRPr/>
-          </a:p>
-        </p:txBody>
-      </p:sp>
+            <a:ext cx="9071280" cy="4384080"/>
+          </a:xfrm>
+          <a:prstGeom prst="rect">
+            <a:avLst/>
+          </a:prstGeom>
+        </p:spPr>
+        <p:txBody>
+          <a:bodyPr lIns="0" rIns="0" tIns="0" bIns="0"/>
+          <a:p>
+            <a:endParaRPr/>
+          </a:p>
+        </p:txBody>
+      </p:sp>
+    </p:spTree>
+  </p:cSld>
+</p:sldLayout>
+</file>
+
+<file path=ppt/slideLayouts/slideLayout30.xml><?xml version="1.0" encoding="utf-8"?>
+<p:sldLayout xmlns:a="http://schemas.openxmlformats.org/drawingml/2006/main" xmlns:p="http://schemas.openxmlformats.org/presentationml/2006/main" xmlns:r="http://schemas.openxmlformats.org/officeDocument/2006/relationships" type="objOnly" preserve="1">
+  <p:cSld name="Centered Text">
+    <p:spTree>
+      <p:nvGrpSpPr>
+        <p:cNvPr id="1" name=""/>
+        <p:cNvGrpSpPr/>
+        <p:nvPr/>
+      </p:nvGrpSpPr>
+      <p:grpSpPr>
+        <a:xfrm>
+          <a:off x="0" y="0"/>
+          <a:ext cx="0" cy="0"/>
+          <a:chOff x="0" y="0"/>
+          <a:chExt cx="0" cy="0"/>
+        </a:xfrm>
+      </p:grpSpPr>
+      <p:sp>
+        <p:nvSpPr>
+          <p:cNvPr id="83" name="PlaceHolder 1"/>
+          <p:cNvSpPr>
+            <a:spLocks noGrp="1"/>
+          </p:cNvSpPr>
+          <p:nvPr>
+            <p:ph type="subTitle"/>
+          </p:nvPr>
+        </p:nvSpPr>
+        <p:spPr>
+          <a:xfrm>
+            <a:off x="504000" y="301320"/>
+            <a:ext cx="9071280" cy="5850360"/>
+          </a:xfrm>
+          <a:prstGeom prst="rect">
+            <a:avLst/>
+          </a:prstGeom>
+        </p:spPr>
+        <p:txBody>
+          <a:bodyPr lIns="0" rIns="0" tIns="0" bIns="0" anchor="ctr"/>
+          <a:p>
+            <a:pPr algn="ctr"/>
+            <a:endParaRPr/>
+          </a:p>
+        </p:txBody>
+      </p:sp>
+    </p:spTree>
+  </p:cSld>
+</p:sldLayout>
+</file>
+
+<file path=ppt/slideLayouts/slideLayout31.xml><?xml version="1.0" encoding="utf-8"?>
+<p:sldLayout xmlns:a="http://schemas.openxmlformats.org/drawingml/2006/main" xmlns:p="http://schemas.openxmlformats.org/presentationml/2006/main" xmlns:r="http://schemas.openxmlformats.org/officeDocument/2006/relationships" type="twoObjAndObj" preserve="1">
+  <p:cSld name="Title, 2 Content and Content">
+    <p:spTree>
+      <p:nvGrpSpPr>
+        <p:cNvPr id="1" name=""/>
+        <p:cNvGrpSpPr/>
+        <p:nvPr/>
+      </p:nvGrpSpPr>
+      <p:grpSpPr>
+        <a:xfrm>
+          <a:off x="0" y="0"/>
+          <a:ext cx="0" cy="0"/>
+          <a:chOff x="0" y="0"/>
+          <a:chExt cx="0" cy="0"/>
+        </a:xfrm>
+      </p:grpSpPr>
+      <p:sp>
+        <p:nvSpPr>
+          <p:cNvPr id="84" name="PlaceHolder 1"/>
+          <p:cNvSpPr>
+            <a:spLocks noGrp="1"/>
+          </p:cNvSpPr>
+          <p:nvPr>
+            <p:ph type="title"/>
+          </p:nvPr>
+        </p:nvSpPr>
+        <p:spPr>
+          <a:xfrm>
+            <a:off x="504000" y="301320"/>
+            <a:ext cx="9071280" cy="1261800"/>
+          </a:xfrm>
+          <a:prstGeom prst="rect">
+            <a:avLst/>
+          </a:prstGeom>
+        </p:spPr>
+        <p:txBody>
+          <a:bodyPr lIns="0" rIns="0" tIns="0" bIns="0" anchor="ctr"/>
+          <a:p>
+            <a:pPr algn="ctr"/>
+            <a:endParaRPr/>
+          </a:p>
+        </p:txBody>
+      </p:sp>
+      <p:sp>
+        <p:nvSpPr>
+          <p:cNvPr id="85" name="PlaceHolder 2"/>
+          <p:cNvSpPr>
+            <a:spLocks noGrp="1"/>
+          </p:cNvSpPr>
+          <p:nvPr>
+            <p:ph type="body"/>
+          </p:nvPr>
+        </p:nvSpPr>
+        <p:spPr>
+          <a:xfrm>
+            <a:off x="504000" y="1769040"/>
+            <a:ext cx="4426560" cy="2090880"/>
+          </a:xfrm>
+          <a:prstGeom prst="rect">
+            <a:avLst/>
+          </a:prstGeom>
+        </p:spPr>
+        <p:txBody>
+          <a:bodyPr lIns="0" rIns="0" tIns="0" bIns="0"/>
+          <a:p>
+            <a:endParaRPr/>
+          </a:p>
+        </p:txBody>
+      </p:sp>
+      <p:sp>
+        <p:nvSpPr>
+          <p:cNvPr id="86" name="PlaceHolder 3"/>
+          <p:cNvSpPr>
+            <a:spLocks noGrp="1"/>
+          </p:cNvSpPr>
+          <p:nvPr>
+            <p:ph type="body"/>
+          </p:nvPr>
+        </p:nvSpPr>
+        <p:spPr>
+          <a:xfrm>
+            <a:off x="504000" y="4059000"/>
+            <a:ext cx="4426560" cy="2090880"/>
+          </a:xfrm>
+          <a:prstGeom prst="rect">
+            <a:avLst/>
+          </a:prstGeom>
+        </p:spPr>
+        <p:txBody>
+          <a:bodyPr lIns="0" rIns="0" tIns="0" bIns="0"/>
+          <a:p>
+            <a:endParaRPr/>
+          </a:p>
+        </p:txBody>
+      </p:sp>
+      <p:sp>
+        <p:nvSpPr>
+          <p:cNvPr id="87" name="PlaceHolder 4"/>
+          <p:cNvSpPr>
+            <a:spLocks noGrp="1"/>
+          </p:cNvSpPr>
+          <p:nvPr>
+            <p:ph type="body"/>
+          </p:nvPr>
+        </p:nvSpPr>
+        <p:spPr>
+          <a:xfrm>
+            <a:off x="5152320" y="1769040"/>
+            <a:ext cx="4426560" cy="4384080"/>
+          </a:xfrm>
+          <a:prstGeom prst="rect">
+            <a:avLst/>
+          </a:prstGeom>
+        </p:spPr>
+        <p:txBody>
+          <a:bodyPr lIns="0" rIns="0" tIns="0" bIns="0"/>
+          <a:p>
+            <a:endParaRPr/>
+          </a:p>
+        </p:txBody>
+      </p:sp>
+    </p:spTree>
+  </p:cSld>
+</p:sldLayout>
+</file>
+
+<file path=ppt/slideLayouts/slideLayout32.xml><?xml version="1.0" encoding="utf-8"?>
+<p:sldLayout xmlns:a="http://schemas.openxmlformats.org/drawingml/2006/main" xmlns:p="http://schemas.openxmlformats.org/presentationml/2006/main" xmlns:r="http://schemas.openxmlformats.org/officeDocument/2006/relationships" type="objAndTwoObj" preserve="1">
+  <p:cSld name="Title Content and 2 Content">
+    <p:spTree>
+      <p:nvGrpSpPr>
+        <p:cNvPr id="1" name=""/>
+        <p:cNvGrpSpPr/>
+        <p:nvPr/>
+      </p:nvGrpSpPr>
+      <p:grpSpPr>
+        <a:xfrm>
+          <a:off x="0" y="0"/>
+          <a:ext cx="0" cy="0"/>
+          <a:chOff x="0" y="0"/>
+          <a:chExt cx="0" cy="0"/>
+        </a:xfrm>
+      </p:grpSpPr>
+      <p:sp>
+        <p:nvSpPr>
+          <p:cNvPr id="88" name="PlaceHolder 1"/>
+          <p:cNvSpPr>
+            <a:spLocks noGrp="1"/>
+          </p:cNvSpPr>
+          <p:nvPr>
+            <p:ph type="title"/>
+          </p:nvPr>
+        </p:nvSpPr>
+        <p:spPr>
+          <a:xfrm>
+            <a:off x="504000" y="301320"/>
+            <a:ext cx="9071280" cy="1261800"/>
+          </a:xfrm>
+          <a:prstGeom prst="rect">
+            <a:avLst/>
+          </a:prstGeom>
+        </p:spPr>
+        <p:txBody>
+          <a:bodyPr lIns="0" rIns="0" tIns="0" bIns="0" anchor="ctr"/>
+          <a:p>
+            <a:pPr algn="ctr"/>
+            <a:endParaRPr/>
+          </a:p>
+        </p:txBody>
+      </p:sp>
+      <p:sp>
+        <p:nvSpPr>
+          <p:cNvPr id="89" name="PlaceHolder 2"/>
+          <p:cNvSpPr>
+            <a:spLocks noGrp="1"/>
+          </p:cNvSpPr>
+          <p:nvPr>
+            <p:ph type="body"/>
+          </p:nvPr>
+        </p:nvSpPr>
+        <p:spPr>
+          <a:xfrm>
+            <a:off x="504000" y="1769040"/>
+            <a:ext cx="4426560" cy="4384080"/>
+          </a:xfrm>
+          <a:prstGeom prst="rect">
+            <a:avLst/>
+          </a:prstGeom>
+        </p:spPr>
+        <p:txBody>
+          <a:bodyPr lIns="0" rIns="0" tIns="0" bIns="0"/>
+          <a:p>
+            <a:endParaRPr/>
+          </a:p>
+        </p:txBody>
+      </p:sp>
+      <p:sp>
+        <p:nvSpPr>
+          <p:cNvPr id="90" name="PlaceHolder 3"/>
+          <p:cNvSpPr>
+            <a:spLocks noGrp="1"/>
+          </p:cNvSpPr>
+          <p:nvPr>
+            <p:ph type="body"/>
+          </p:nvPr>
+        </p:nvSpPr>
+        <p:spPr>
+          <a:xfrm>
+            <a:off x="5152320" y="1769040"/>
+            <a:ext cx="4426560" cy="2090880"/>
+          </a:xfrm>
+          <a:prstGeom prst="rect">
+            <a:avLst/>
+          </a:prstGeom>
+        </p:spPr>
+        <p:txBody>
+          <a:bodyPr lIns="0" rIns="0" tIns="0" bIns="0"/>
+          <a:p>
+            <a:endParaRPr/>
+          </a:p>
+        </p:txBody>
+      </p:sp>
+      <p:sp>
+        <p:nvSpPr>
+          <p:cNvPr id="91" name="PlaceHolder 4"/>
+          <p:cNvSpPr>
+            <a:spLocks noGrp="1"/>
+          </p:cNvSpPr>
+          <p:nvPr>
+            <p:ph type="body"/>
+          </p:nvPr>
+        </p:nvSpPr>
+        <p:spPr>
+          <a:xfrm>
+            <a:off x="5152320" y="4059000"/>
+            <a:ext cx="4426560" cy="2090880"/>
+          </a:xfrm>
+          <a:prstGeom prst="rect">
+            <a:avLst/>
+          </a:prstGeom>
+        </p:spPr>
+        <p:txBody>
+          <a:bodyPr lIns="0" rIns="0" tIns="0" bIns="0"/>
+          <a:p>
+            <a:endParaRPr/>
+          </a:p>
+        </p:txBody>
+      </p:sp>
+    </p:spTree>
+  </p:cSld>
+</p:sldLayout>
+</file>
+
+<file path=ppt/slideLayouts/slideLayout33.xml><?xml version="1.0" encoding="utf-8"?>
+<p:sldLayout xmlns:a="http://schemas.openxmlformats.org/drawingml/2006/main" xmlns:p="http://schemas.openxmlformats.org/presentationml/2006/main" xmlns:r="http://schemas.openxmlformats.org/officeDocument/2006/relationships" type="twoObjOverTx" preserve="1">
+  <p:cSld name="Title, 2 Content over Content">
+    <p:spTree>
+      <p:nvGrpSpPr>
+        <p:cNvPr id="1" name=""/>
+        <p:cNvGrpSpPr/>
+        <p:nvPr/>
+      </p:nvGrpSpPr>
+      <p:grpSpPr>
+        <a:xfrm>
+          <a:off x="0" y="0"/>
+          <a:ext cx="0" cy="0"/>
+          <a:chOff x="0" y="0"/>
+          <a:chExt cx="0" cy="0"/>
+        </a:xfrm>
+      </p:grpSpPr>
+      <p:sp>
+        <p:nvSpPr>
+          <p:cNvPr id="92" name="PlaceHolder 1"/>
+          <p:cNvSpPr>
+            <a:spLocks noGrp="1"/>
+          </p:cNvSpPr>
+          <p:nvPr>
+            <p:ph type="title"/>
+          </p:nvPr>
+        </p:nvSpPr>
+        <p:spPr>
+          <a:xfrm>
+            <a:off x="504000" y="301320"/>
+            <a:ext cx="9071280" cy="1261800"/>
+          </a:xfrm>
+          <a:prstGeom prst="rect">
+            <a:avLst/>
+          </a:prstGeom>
+        </p:spPr>
+        <p:txBody>
+          <a:bodyPr lIns="0" rIns="0" tIns="0" bIns="0" anchor="ctr"/>
+          <a:p>
+            <a:pPr algn="ctr"/>
+            <a:endParaRPr/>
+          </a:p>
+        </p:txBody>
+      </p:sp>
+      <p:sp>
+        <p:nvSpPr>
+          <p:cNvPr id="93" name="PlaceHolder 2"/>
+          <p:cNvSpPr>
+            <a:spLocks noGrp="1"/>
+          </p:cNvSpPr>
+          <p:nvPr>
+            <p:ph type="body"/>
+          </p:nvPr>
+        </p:nvSpPr>
+        <p:spPr>
+          <a:xfrm>
+            <a:off x="504000" y="1769040"/>
+            <a:ext cx="4426560" cy="2090880"/>
+          </a:xfrm>
+          <a:prstGeom prst="rect">
+            <a:avLst/>
+          </a:prstGeom>
+        </p:spPr>
+        <p:txBody>
+          <a:bodyPr lIns="0" rIns="0" tIns="0" bIns="0"/>
+          <a:p>
+            <a:endParaRPr/>
+          </a:p>
+        </p:txBody>
+      </p:sp>
+      <p:sp>
+        <p:nvSpPr>
+          <p:cNvPr id="94" name="PlaceHolder 3"/>
+          <p:cNvSpPr>
+            <a:spLocks noGrp="1"/>
+          </p:cNvSpPr>
+          <p:nvPr>
+            <p:ph type="body"/>
+          </p:nvPr>
+        </p:nvSpPr>
+        <p:spPr>
+          <a:xfrm>
+            <a:off x="5152320" y="1769040"/>
+            <a:ext cx="4426560" cy="2090880"/>
+          </a:xfrm>
+          <a:prstGeom prst="rect">
+            <a:avLst/>
+          </a:prstGeom>
+        </p:spPr>
+        <p:txBody>
+          <a:bodyPr lIns="0" rIns="0" tIns="0" bIns="0"/>
+          <a:p>
+            <a:endParaRPr/>
+          </a:p>
+        </p:txBody>
+      </p:sp>
+      <p:sp>
+        <p:nvSpPr>
+          <p:cNvPr id="95" name="PlaceHolder 4"/>
+          <p:cNvSpPr>
+            <a:spLocks noGrp="1"/>
+          </p:cNvSpPr>
+          <p:nvPr>
+            <p:ph type="body"/>
+          </p:nvPr>
+        </p:nvSpPr>
+        <p:spPr>
+          <a:xfrm>
+            <a:off x="504000" y="4059000"/>
+            <a:ext cx="9071280" cy="2090880"/>
+          </a:xfrm>
+          <a:prstGeom prst="rect">
+            <a:avLst/>
+          </a:prstGeom>
+        </p:spPr>
+        <p:txBody>
+          <a:bodyPr lIns="0" rIns="0" tIns="0" bIns="0"/>
+          <a:p>
+            <a:endParaRPr/>
+          </a:p>
+        </p:txBody>
+      </p:sp>
+    </p:spTree>
+  </p:cSld>
+</p:sldLayout>
+</file>
+
+<file path=ppt/slideLayouts/slideLayout34.xml><?xml version="1.0" encoding="utf-8"?>
+<p:sldLayout xmlns:a="http://schemas.openxmlformats.org/drawingml/2006/main" xmlns:p="http://schemas.openxmlformats.org/presentationml/2006/main" xmlns:r="http://schemas.openxmlformats.org/officeDocument/2006/relationships" type="objOverTx" preserve="1">
+  <p:cSld name="Title, Content over Content">
+    <p:spTree>
+      <p:nvGrpSpPr>
+        <p:cNvPr id="1" name=""/>
+        <p:cNvGrpSpPr/>
+        <p:nvPr/>
+      </p:nvGrpSpPr>
+      <p:grpSpPr>
+        <a:xfrm>
+          <a:off x="0" y="0"/>
+          <a:ext cx="0" cy="0"/>
+          <a:chOff x="0" y="0"/>
+          <a:chExt cx="0" cy="0"/>
+        </a:xfrm>
+      </p:grpSpPr>
+      <p:sp>
+        <p:nvSpPr>
+          <p:cNvPr id="96" name="PlaceHolder 1"/>
+          <p:cNvSpPr>
+            <a:spLocks noGrp="1"/>
+          </p:cNvSpPr>
+          <p:nvPr>
+            <p:ph type="title"/>
+          </p:nvPr>
+        </p:nvSpPr>
+        <p:spPr>
+          <a:xfrm>
+            <a:off x="504000" y="301320"/>
+            <a:ext cx="9071280" cy="1261800"/>
+          </a:xfrm>
+          <a:prstGeom prst="rect">
+            <a:avLst/>
+          </a:prstGeom>
+        </p:spPr>
+        <p:txBody>
+          <a:bodyPr lIns="0" rIns="0" tIns="0" bIns="0" anchor="ctr"/>
+          <a:p>
+            <a:pPr algn="ctr"/>
+            <a:endParaRPr/>
+          </a:p>
+        </p:txBody>
+      </p:sp>
+      <p:sp>
+        <p:nvSpPr>
+          <p:cNvPr id="97" name="PlaceHolder 2"/>
+          <p:cNvSpPr>
+            <a:spLocks noGrp="1"/>
+          </p:cNvSpPr>
+          <p:nvPr>
+            <p:ph type="body"/>
+          </p:nvPr>
+        </p:nvSpPr>
+        <p:spPr>
+          <a:xfrm>
+            <a:off x="504000" y="1769040"/>
+            <a:ext cx="9071280" cy="2090880"/>
+          </a:xfrm>
+          <a:prstGeom prst="rect">
+            <a:avLst/>
+          </a:prstGeom>
+        </p:spPr>
+        <p:txBody>
+          <a:bodyPr lIns="0" rIns="0" tIns="0" bIns="0"/>
+          <a:p>
+            <a:endParaRPr/>
+          </a:p>
+        </p:txBody>
+      </p:sp>
+      <p:sp>
+        <p:nvSpPr>
+          <p:cNvPr id="98" name="PlaceHolder 3"/>
+          <p:cNvSpPr>
+            <a:spLocks noGrp="1"/>
+          </p:cNvSpPr>
+          <p:nvPr>
+            <p:ph type="body"/>
+          </p:nvPr>
+        </p:nvSpPr>
+        <p:spPr>
+          <a:xfrm>
+            <a:off x="504000" y="4059000"/>
+            <a:ext cx="9071280" cy="2090880"/>
+          </a:xfrm>
+          <a:prstGeom prst="rect">
+            <a:avLst/>
+          </a:prstGeom>
+        </p:spPr>
+        <p:txBody>
+          <a:bodyPr lIns="0" rIns="0" tIns="0" bIns="0"/>
+          <a:p>
+            <a:endParaRPr/>
+          </a:p>
+        </p:txBody>
+      </p:sp>
+    </p:spTree>
+  </p:cSld>
+</p:sldLayout>
+</file>
+
+<file path=ppt/slideLayouts/slideLayout35.xml><?xml version="1.0" encoding="utf-8"?>
+<p:sldLayout xmlns:a="http://schemas.openxmlformats.org/drawingml/2006/main" xmlns:p="http://schemas.openxmlformats.org/presentationml/2006/main" xmlns:r="http://schemas.openxmlformats.org/officeDocument/2006/relationships" type="fourObj" preserve="1">
+  <p:cSld name="Title, 4 Content">
+    <p:spTree>
+      <p:nvGrpSpPr>
+        <p:cNvPr id="1" name=""/>
+        <p:cNvGrpSpPr/>
+        <p:nvPr/>
+      </p:nvGrpSpPr>
+      <p:grpSpPr>
+        <a:xfrm>
+          <a:off x="0" y="0"/>
+          <a:ext cx="0" cy="0"/>
+          <a:chOff x="0" y="0"/>
+          <a:chExt cx="0" cy="0"/>
+        </a:xfrm>
+      </p:grpSpPr>
+      <p:sp>
+        <p:nvSpPr>
+          <p:cNvPr id="99" name="PlaceHolder 1"/>
+          <p:cNvSpPr>
+            <a:spLocks noGrp="1"/>
+          </p:cNvSpPr>
+          <p:nvPr>
+            <p:ph type="title"/>
+          </p:nvPr>
+        </p:nvSpPr>
+        <p:spPr>
+          <a:xfrm>
+            <a:off x="504000" y="301320"/>
+            <a:ext cx="9071280" cy="1261800"/>
+          </a:xfrm>
+          <a:prstGeom prst="rect">
+            <a:avLst/>
+          </a:prstGeom>
+        </p:spPr>
+        <p:txBody>
+          <a:bodyPr lIns="0" rIns="0" tIns="0" bIns="0" anchor="ctr"/>
+          <a:p>
+            <a:pPr algn="ctr"/>
+            <a:endParaRPr/>
+          </a:p>
+        </p:txBody>
+      </p:sp>
+      <p:sp>
+        <p:nvSpPr>
+          <p:cNvPr id="100" name="PlaceHolder 2"/>
+          <p:cNvSpPr>
+            <a:spLocks noGrp="1"/>
+          </p:cNvSpPr>
+          <p:nvPr>
+            <p:ph type="body"/>
+          </p:nvPr>
+        </p:nvSpPr>
+        <p:spPr>
+          <a:xfrm>
+            <a:off x="504000" y="1769040"/>
+            <a:ext cx="4426560" cy="2090880"/>
+          </a:xfrm>
+          <a:prstGeom prst="rect">
+            <a:avLst/>
+          </a:prstGeom>
+        </p:spPr>
+        <p:txBody>
+          <a:bodyPr lIns="0" rIns="0" tIns="0" bIns="0"/>
+          <a:p>
+            <a:endParaRPr/>
+          </a:p>
+        </p:txBody>
+      </p:sp>
+      <p:sp>
+        <p:nvSpPr>
+          <p:cNvPr id="101" name="PlaceHolder 3"/>
+          <p:cNvSpPr>
+            <a:spLocks noGrp="1"/>
+          </p:cNvSpPr>
+          <p:nvPr>
+            <p:ph type="body"/>
+          </p:nvPr>
+        </p:nvSpPr>
+        <p:spPr>
+          <a:xfrm>
+            <a:off x="5152320" y="1769040"/>
+            <a:ext cx="4426560" cy="2090880"/>
+          </a:xfrm>
+          <a:prstGeom prst="rect">
+            <a:avLst/>
+          </a:prstGeom>
+        </p:spPr>
+        <p:txBody>
+          <a:bodyPr lIns="0" rIns="0" tIns="0" bIns="0"/>
+          <a:p>
+            <a:endParaRPr/>
+          </a:p>
+        </p:txBody>
+      </p:sp>
+      <p:sp>
+        <p:nvSpPr>
+          <p:cNvPr id="102" name="PlaceHolder 4"/>
+          <p:cNvSpPr>
+            <a:spLocks noGrp="1"/>
+          </p:cNvSpPr>
+          <p:nvPr>
+            <p:ph type="body"/>
+          </p:nvPr>
+        </p:nvSpPr>
+        <p:spPr>
+          <a:xfrm>
+            <a:off x="5152320" y="4059000"/>
+            <a:ext cx="4426560" cy="2090880"/>
+          </a:xfrm>
+          <a:prstGeom prst="rect">
+            <a:avLst/>
+          </a:prstGeom>
+        </p:spPr>
+        <p:txBody>
+          <a:bodyPr lIns="0" rIns="0" tIns="0" bIns="0"/>
+          <a:p>
+            <a:endParaRPr/>
+          </a:p>
+        </p:txBody>
+      </p:sp>
+      <p:sp>
+        <p:nvSpPr>
+          <p:cNvPr id="103" name="PlaceHolder 5"/>
+          <p:cNvSpPr>
+            <a:spLocks noGrp="1"/>
+          </p:cNvSpPr>
+          <p:nvPr>
+            <p:ph type="body"/>
+          </p:nvPr>
+        </p:nvSpPr>
+        <p:spPr>
+          <a:xfrm>
+            <a:off x="504000" y="4059000"/>
+            <a:ext cx="4426560" cy="2090880"/>
+          </a:xfrm>
+          <a:prstGeom prst="rect">
+            <a:avLst/>
+          </a:prstGeom>
+        </p:spPr>
+        <p:txBody>
+          <a:bodyPr lIns="0" rIns="0" tIns="0" bIns="0"/>
+          <a:p>
+            <a:endParaRPr/>
+          </a:p>
+        </p:txBody>
+      </p:sp>
+    </p:spTree>
+  </p:cSld>
+</p:sldLayout>
+</file>
+
+<file path=ppt/slideLayouts/slideLayout36.xml><?xml version="1.0" encoding="utf-8"?>
+<p:sldLayout xmlns:a="http://schemas.openxmlformats.org/drawingml/2006/main" xmlns:p="http://schemas.openxmlformats.org/presentationml/2006/main" xmlns:r="http://schemas.openxmlformats.org/officeDocument/2006/relationships" type="blank" preserve="1">
+  <p:cSld name="Title, 6 Content">
+    <p:spTree>
+      <p:nvGrpSpPr>
+        <p:cNvPr id="1" name=""/>
+        <p:cNvGrpSpPr/>
+        <p:nvPr/>
+      </p:nvGrpSpPr>
+      <p:grpSpPr>
+        <a:xfrm>
+          <a:off x="0" y="0"/>
+          <a:ext cx="0" cy="0"/>
+          <a:chOff x="0" y="0"/>
+          <a:chExt cx="0" cy="0"/>
+        </a:xfrm>
+      </p:grpSpPr>
+      <p:sp>
+        <p:nvSpPr>
+          <p:cNvPr id="104" name="PlaceHolder 1"/>
+          <p:cNvSpPr>
+            <a:spLocks noGrp="1"/>
+          </p:cNvSpPr>
+          <p:nvPr>
+            <p:ph type="title"/>
+          </p:nvPr>
+        </p:nvSpPr>
+        <p:spPr>
+          <a:xfrm>
+            <a:off x="504000" y="301320"/>
+            <a:ext cx="9071280" cy="1261800"/>
+          </a:xfrm>
+          <a:prstGeom prst="rect">
+            <a:avLst/>
+          </a:prstGeom>
+        </p:spPr>
+        <p:txBody>
+          <a:bodyPr lIns="0" rIns="0" tIns="0" bIns="0" anchor="ctr"/>
+          <a:p>
+            <a:pPr algn="ctr"/>
+            <a:endParaRPr/>
+          </a:p>
+        </p:txBody>
+      </p:sp>
+      <p:sp>
+        <p:nvSpPr>
+          <p:cNvPr id="105" name="PlaceHolder 2"/>
+          <p:cNvSpPr>
+            <a:spLocks noGrp="1"/>
+          </p:cNvSpPr>
+          <p:nvPr>
+            <p:ph type="body"/>
+          </p:nvPr>
+        </p:nvSpPr>
+        <p:spPr>
+          <a:xfrm>
+            <a:off x="504000" y="1769040"/>
+            <a:ext cx="9071280" cy="4384080"/>
+          </a:xfrm>
+          <a:prstGeom prst="rect">
+            <a:avLst/>
+          </a:prstGeom>
+        </p:spPr>
+        <p:txBody>
+          <a:bodyPr lIns="0" rIns="0" tIns="0" bIns="0"/>
+          <a:p>
+            <a:endParaRPr/>
+          </a:p>
+        </p:txBody>
+      </p:sp>
+      <p:sp>
+        <p:nvSpPr>
+          <p:cNvPr id="106" name="PlaceHolder 3"/>
+          <p:cNvSpPr>
+            <a:spLocks noGrp="1"/>
+          </p:cNvSpPr>
+          <p:nvPr>
+            <p:ph type="body"/>
+          </p:nvPr>
+        </p:nvSpPr>
+        <p:spPr>
+          <a:xfrm>
+            <a:off x="504000" y="1769040"/>
+            <a:ext cx="9071280" cy="4384080"/>
+          </a:xfrm>
+          <a:prstGeom prst="rect">
+            <a:avLst/>
+          </a:prstGeom>
+        </p:spPr>
+        <p:txBody>
+          <a:bodyPr lIns="0" rIns="0" tIns="0" bIns="0"/>
+          <a:p>
+            <a:endParaRPr/>
+          </a:p>
+        </p:txBody>
+      </p:sp>
+      <p:pic>
+        <p:nvPicPr>
+          <p:cNvPr id="107" name="" descr=""/>
+          <p:cNvPicPr/>
+          <p:nvPr/>
+        </p:nvPicPr>
+        <p:blipFill>
+          <a:blip r:embed="rId2"/>
+          <a:stretch/>
+        </p:blipFill>
+        <p:spPr>
+          <a:xfrm>
+            <a:off x="2291040" y="1769040"/>
+            <a:ext cx="5496840" cy="4384080"/>
+          </a:xfrm>
+          <a:prstGeom prst="rect">
+            <a:avLst/>
+          </a:prstGeom>
+          <a:ln>
+            <a:noFill/>
+          </a:ln>
+        </p:spPr>
+      </p:pic>
+      <p:pic>
+        <p:nvPicPr>
+          <p:cNvPr id="108" name="" descr=""/>
+          <p:cNvPicPr/>
+          <p:nvPr/>
+        </p:nvPicPr>
+        <p:blipFill>
+          <a:blip r:embed="rId3"/>
+          <a:stretch/>
+        </p:blipFill>
+        <p:spPr>
+          <a:xfrm>
+            <a:off x="2291040" y="1769040"/>
+            <a:ext cx="5496840" cy="4384080"/>
+          </a:xfrm>
+          <a:prstGeom prst="rect">
+            <a:avLst/>
+          </a:prstGeom>
+          <a:ln>
+            <a:noFill/>
+          </a:ln>
+        </p:spPr>
+      </p:pic>
     </p:spTree>
   </p:cSld>
 </p:sldLayout>
@@ -611,7 +2921,7 @@
       </p:grpSpPr>
       <p:sp>
         <p:nvSpPr>
-          <p:cNvPr id="9" name="PlaceHolder 1"/>
+          <p:cNvPr id="6" name="PlaceHolder 1"/>
           <p:cNvSpPr>
             <a:spLocks noGrp="1"/>
           </p:cNvSpPr>
@@ -622,7 +2932,7 @@
         <p:spPr>
           <a:xfrm>
             <a:off x="504000" y="301320"/>
-            <a:ext cx="9071640" cy="1262160"/>
+            <a:ext cx="9071280" cy="1261800"/>
           </a:xfrm>
           <a:prstGeom prst="rect">
             <a:avLst/>
@@ -638,7 +2948,7 @@
       </p:sp>
       <p:sp>
         <p:nvSpPr>
-          <p:cNvPr id="10" name="PlaceHolder 2"/>
+          <p:cNvPr id="7" name="PlaceHolder 2"/>
           <p:cNvSpPr>
             <a:spLocks noGrp="1"/>
           </p:cNvSpPr>
@@ -649,33 +2959,33 @@
         <p:spPr>
           <a:xfrm>
             <a:off x="504000" y="1769040"/>
-            <a:ext cx="4426920" cy="4384440"/>
-          </a:xfrm>
-          <a:prstGeom prst="rect">
-            <a:avLst/>
-          </a:prstGeom>
-        </p:spPr>
-        <p:txBody>
-          <a:bodyPr lIns="0" rIns="0" tIns="0" bIns="0"/>
-          <a:p>
-            <a:endParaRPr/>
-          </a:p>
-        </p:txBody>
-      </p:sp>
-      <p:sp>
-        <p:nvSpPr>
-          <p:cNvPr id="11" name="PlaceHolder 3"/>
-          <p:cNvSpPr>
-            <a:spLocks noGrp="1"/>
-          </p:cNvSpPr>
-          <p:nvPr>
-            <p:ph type="body"/>
-          </p:nvPr>
-        </p:nvSpPr>
-        <p:spPr>
-          <a:xfrm>
-            <a:off x="5152680" y="1769040"/>
-            <a:ext cx="4426920" cy="4384440"/>
+            <a:ext cx="4426560" cy="4384080"/>
+          </a:xfrm>
+          <a:prstGeom prst="rect">
+            <a:avLst/>
+          </a:prstGeom>
+        </p:spPr>
+        <p:txBody>
+          <a:bodyPr lIns="0" rIns="0" tIns="0" bIns="0"/>
+          <a:p>
+            <a:endParaRPr/>
+          </a:p>
+        </p:txBody>
+      </p:sp>
+      <p:sp>
+        <p:nvSpPr>
+          <p:cNvPr id="8" name="PlaceHolder 3"/>
+          <p:cNvSpPr>
+            <a:spLocks noGrp="1"/>
+          </p:cNvSpPr>
+          <p:nvPr>
+            <p:ph type="body"/>
+          </p:nvPr>
+        </p:nvSpPr>
+        <p:spPr>
+          <a:xfrm>
+            <a:off x="5152320" y="1769040"/>
+            <a:ext cx="4426560" cy="4384080"/>
           </a:xfrm>
           <a:prstGeom prst="rect">
             <a:avLst/>
@@ -712,7 +3022,7 @@
       </p:grpSpPr>
       <p:sp>
         <p:nvSpPr>
-          <p:cNvPr id="12" name="PlaceHolder 1"/>
+          <p:cNvPr id="9" name="PlaceHolder 1"/>
           <p:cNvSpPr>
             <a:spLocks noGrp="1"/>
           </p:cNvSpPr>
@@ -723,7 +3033,7 @@
         <p:spPr>
           <a:xfrm>
             <a:off x="504000" y="301320"/>
-            <a:ext cx="9071640" cy="1262160"/>
+            <a:ext cx="9071280" cy="1261800"/>
           </a:xfrm>
           <a:prstGeom prst="rect">
             <a:avLst/>
@@ -761,7 +3071,7 @@
       </p:grpSpPr>
       <p:sp>
         <p:nvSpPr>
-          <p:cNvPr id="13" name="PlaceHolder 1"/>
+          <p:cNvPr id="10" name="PlaceHolder 1"/>
           <p:cNvSpPr>
             <a:spLocks noGrp="1"/>
           </p:cNvSpPr>
@@ -772,7 +3082,7 @@
         <p:spPr>
           <a:xfrm>
             <a:off x="504000" y="301320"/>
-            <a:ext cx="9071640" cy="5851800"/>
+            <a:ext cx="9071280" cy="5850360"/>
           </a:xfrm>
           <a:prstGeom prst="rect">
             <a:avLst/>
@@ -810,7 +3120,7 @@
       </p:grpSpPr>
       <p:sp>
         <p:nvSpPr>
-          <p:cNvPr id="14" name="PlaceHolder 1"/>
+          <p:cNvPr id="11" name="PlaceHolder 1"/>
           <p:cNvSpPr>
             <a:spLocks noGrp="1"/>
           </p:cNvSpPr>
@@ -821,7 +3131,7 @@
         <p:spPr>
           <a:xfrm>
             <a:off x="504000" y="301320"/>
-            <a:ext cx="9071640" cy="1262160"/>
+            <a:ext cx="9071280" cy="1261800"/>
           </a:xfrm>
           <a:prstGeom prst="rect">
             <a:avLst/>
@@ -837,7 +3147,7 @@
       </p:sp>
       <p:sp>
         <p:nvSpPr>
-          <p:cNvPr id="15" name="PlaceHolder 2"/>
+          <p:cNvPr id="12" name="PlaceHolder 2"/>
           <p:cNvSpPr>
             <a:spLocks noGrp="1"/>
           </p:cNvSpPr>
@@ -848,59 +3158,59 @@
         <p:spPr>
           <a:xfrm>
             <a:off x="504000" y="1769040"/>
-            <a:ext cx="4426920" cy="2091240"/>
-          </a:xfrm>
-          <a:prstGeom prst="rect">
-            <a:avLst/>
-          </a:prstGeom>
-        </p:spPr>
-        <p:txBody>
-          <a:bodyPr lIns="0" rIns="0" tIns="0" bIns="0"/>
-          <a:p>
-            <a:endParaRPr/>
-          </a:p>
-        </p:txBody>
-      </p:sp>
-      <p:sp>
-        <p:nvSpPr>
-          <p:cNvPr id="16" name="PlaceHolder 3"/>
-          <p:cNvSpPr>
-            <a:spLocks noGrp="1"/>
-          </p:cNvSpPr>
-          <p:nvPr>
-            <p:ph type="body"/>
-          </p:nvPr>
-        </p:nvSpPr>
-        <p:spPr>
-          <a:xfrm>
-            <a:off x="504000" y="4059360"/>
-            <a:ext cx="4426920" cy="2091240"/>
-          </a:xfrm>
-          <a:prstGeom prst="rect">
-            <a:avLst/>
-          </a:prstGeom>
-        </p:spPr>
-        <p:txBody>
-          <a:bodyPr lIns="0" rIns="0" tIns="0" bIns="0"/>
-          <a:p>
-            <a:endParaRPr/>
-          </a:p>
-        </p:txBody>
-      </p:sp>
-      <p:sp>
-        <p:nvSpPr>
-          <p:cNvPr id="17" name="PlaceHolder 4"/>
-          <p:cNvSpPr>
-            <a:spLocks noGrp="1"/>
-          </p:cNvSpPr>
-          <p:nvPr>
-            <p:ph type="body"/>
-          </p:nvPr>
-        </p:nvSpPr>
-        <p:spPr>
-          <a:xfrm>
-            <a:off x="5152680" y="1769040"/>
-            <a:ext cx="4426920" cy="4384440"/>
+            <a:ext cx="4426560" cy="2090880"/>
+          </a:xfrm>
+          <a:prstGeom prst="rect">
+            <a:avLst/>
+          </a:prstGeom>
+        </p:spPr>
+        <p:txBody>
+          <a:bodyPr lIns="0" rIns="0" tIns="0" bIns="0"/>
+          <a:p>
+            <a:endParaRPr/>
+          </a:p>
+        </p:txBody>
+      </p:sp>
+      <p:sp>
+        <p:nvSpPr>
+          <p:cNvPr id="13" name="PlaceHolder 3"/>
+          <p:cNvSpPr>
+            <a:spLocks noGrp="1"/>
+          </p:cNvSpPr>
+          <p:nvPr>
+            <p:ph type="body"/>
+          </p:nvPr>
+        </p:nvSpPr>
+        <p:spPr>
+          <a:xfrm>
+            <a:off x="504000" y="4059000"/>
+            <a:ext cx="4426560" cy="2090880"/>
+          </a:xfrm>
+          <a:prstGeom prst="rect">
+            <a:avLst/>
+          </a:prstGeom>
+        </p:spPr>
+        <p:txBody>
+          <a:bodyPr lIns="0" rIns="0" tIns="0" bIns="0"/>
+          <a:p>
+            <a:endParaRPr/>
+          </a:p>
+        </p:txBody>
+      </p:sp>
+      <p:sp>
+        <p:nvSpPr>
+          <p:cNvPr id="14" name="PlaceHolder 4"/>
+          <p:cNvSpPr>
+            <a:spLocks noGrp="1"/>
+          </p:cNvSpPr>
+          <p:nvPr>
+            <p:ph type="body"/>
+          </p:nvPr>
+        </p:nvSpPr>
+        <p:spPr>
+          <a:xfrm>
+            <a:off x="5152320" y="1769040"/>
+            <a:ext cx="4426560" cy="4384080"/>
           </a:xfrm>
           <a:prstGeom prst="rect">
             <a:avLst/>
@@ -937,7 +3247,7 @@
       </p:grpSpPr>
       <p:sp>
         <p:nvSpPr>
-          <p:cNvPr id="18" name="PlaceHolder 1"/>
+          <p:cNvPr id="15" name="PlaceHolder 1"/>
           <p:cNvSpPr>
             <a:spLocks noGrp="1"/>
           </p:cNvSpPr>
@@ -948,7 +3258,7 @@
         <p:spPr>
           <a:xfrm>
             <a:off x="504000" y="301320"/>
-            <a:ext cx="9071640" cy="1262160"/>
+            <a:ext cx="9071280" cy="1261800"/>
           </a:xfrm>
           <a:prstGeom prst="rect">
             <a:avLst/>
@@ -964,7 +3274,7 @@
       </p:sp>
       <p:sp>
         <p:nvSpPr>
-          <p:cNvPr id="19" name="PlaceHolder 2"/>
+          <p:cNvPr id="16" name="PlaceHolder 2"/>
           <p:cNvSpPr>
             <a:spLocks noGrp="1"/>
           </p:cNvSpPr>
@@ -975,59 +3285,59 @@
         <p:spPr>
           <a:xfrm>
             <a:off x="504000" y="1769040"/>
-            <a:ext cx="4426920" cy="4384440"/>
-          </a:xfrm>
-          <a:prstGeom prst="rect">
-            <a:avLst/>
-          </a:prstGeom>
-        </p:spPr>
-        <p:txBody>
-          <a:bodyPr lIns="0" rIns="0" tIns="0" bIns="0"/>
-          <a:p>
-            <a:endParaRPr/>
-          </a:p>
-        </p:txBody>
-      </p:sp>
-      <p:sp>
-        <p:nvSpPr>
-          <p:cNvPr id="20" name="PlaceHolder 3"/>
-          <p:cNvSpPr>
-            <a:spLocks noGrp="1"/>
-          </p:cNvSpPr>
-          <p:nvPr>
-            <p:ph type="body"/>
-          </p:nvPr>
-        </p:nvSpPr>
-        <p:spPr>
-          <a:xfrm>
-            <a:off x="5152680" y="1769040"/>
-            <a:ext cx="4426920" cy="2091240"/>
-          </a:xfrm>
-          <a:prstGeom prst="rect">
-            <a:avLst/>
-          </a:prstGeom>
-        </p:spPr>
-        <p:txBody>
-          <a:bodyPr lIns="0" rIns="0" tIns="0" bIns="0"/>
-          <a:p>
-            <a:endParaRPr/>
-          </a:p>
-        </p:txBody>
-      </p:sp>
-      <p:sp>
-        <p:nvSpPr>
-          <p:cNvPr id="21" name="PlaceHolder 4"/>
-          <p:cNvSpPr>
-            <a:spLocks noGrp="1"/>
-          </p:cNvSpPr>
-          <p:nvPr>
-            <p:ph type="body"/>
-          </p:nvPr>
-        </p:nvSpPr>
-        <p:spPr>
-          <a:xfrm>
-            <a:off x="5152680" y="4059360"/>
-            <a:ext cx="4426920" cy="2091240"/>
+            <a:ext cx="4426560" cy="4384080"/>
+          </a:xfrm>
+          <a:prstGeom prst="rect">
+            <a:avLst/>
+          </a:prstGeom>
+        </p:spPr>
+        <p:txBody>
+          <a:bodyPr lIns="0" rIns="0" tIns="0" bIns="0"/>
+          <a:p>
+            <a:endParaRPr/>
+          </a:p>
+        </p:txBody>
+      </p:sp>
+      <p:sp>
+        <p:nvSpPr>
+          <p:cNvPr id="17" name="PlaceHolder 3"/>
+          <p:cNvSpPr>
+            <a:spLocks noGrp="1"/>
+          </p:cNvSpPr>
+          <p:nvPr>
+            <p:ph type="body"/>
+          </p:nvPr>
+        </p:nvSpPr>
+        <p:spPr>
+          <a:xfrm>
+            <a:off x="5152320" y="1769040"/>
+            <a:ext cx="4426560" cy="2090880"/>
+          </a:xfrm>
+          <a:prstGeom prst="rect">
+            <a:avLst/>
+          </a:prstGeom>
+        </p:spPr>
+        <p:txBody>
+          <a:bodyPr lIns="0" rIns="0" tIns="0" bIns="0"/>
+          <a:p>
+            <a:endParaRPr/>
+          </a:p>
+        </p:txBody>
+      </p:sp>
+      <p:sp>
+        <p:nvSpPr>
+          <p:cNvPr id="18" name="PlaceHolder 4"/>
+          <p:cNvSpPr>
+            <a:spLocks noGrp="1"/>
+          </p:cNvSpPr>
+          <p:nvPr>
+            <p:ph type="body"/>
+          </p:nvPr>
+        </p:nvSpPr>
+        <p:spPr>
+          <a:xfrm>
+            <a:off x="5152320" y="4059000"/>
+            <a:ext cx="4426560" cy="2090880"/>
           </a:xfrm>
           <a:prstGeom prst="rect">
             <a:avLst/>
@@ -1064,7 +3374,7 @@
       </p:grpSpPr>
       <p:sp>
         <p:nvSpPr>
-          <p:cNvPr id="22" name="PlaceHolder 1"/>
+          <p:cNvPr id="19" name="PlaceHolder 1"/>
           <p:cNvSpPr>
             <a:spLocks noGrp="1"/>
           </p:cNvSpPr>
@@ -1075,7 +3385,7 @@
         <p:spPr>
           <a:xfrm>
             <a:off x="504000" y="301320"/>
-            <a:ext cx="9071640" cy="1262160"/>
+            <a:ext cx="9071280" cy="1261800"/>
           </a:xfrm>
           <a:prstGeom prst="rect">
             <a:avLst/>
@@ -1091,7 +3401,7 @@
       </p:sp>
       <p:sp>
         <p:nvSpPr>
-          <p:cNvPr id="23" name="PlaceHolder 2"/>
+          <p:cNvPr id="20" name="PlaceHolder 2"/>
           <p:cNvSpPr>
             <a:spLocks noGrp="1"/>
           </p:cNvSpPr>
@@ -1102,59 +3412,59 @@
         <p:spPr>
           <a:xfrm>
             <a:off x="504000" y="1769040"/>
-            <a:ext cx="4426920" cy="2091240"/>
-          </a:xfrm>
-          <a:prstGeom prst="rect">
-            <a:avLst/>
-          </a:prstGeom>
-        </p:spPr>
-        <p:txBody>
-          <a:bodyPr lIns="0" rIns="0" tIns="0" bIns="0"/>
-          <a:p>
-            <a:endParaRPr/>
-          </a:p>
-        </p:txBody>
-      </p:sp>
-      <p:sp>
-        <p:nvSpPr>
-          <p:cNvPr id="24" name="PlaceHolder 3"/>
-          <p:cNvSpPr>
-            <a:spLocks noGrp="1"/>
-          </p:cNvSpPr>
-          <p:nvPr>
-            <p:ph type="body"/>
-          </p:nvPr>
-        </p:nvSpPr>
-        <p:spPr>
-          <a:xfrm>
-            <a:off x="5152680" y="1769040"/>
-            <a:ext cx="4426920" cy="2091240"/>
-          </a:xfrm>
-          <a:prstGeom prst="rect">
-            <a:avLst/>
-          </a:prstGeom>
-        </p:spPr>
-        <p:txBody>
-          <a:bodyPr lIns="0" rIns="0" tIns="0" bIns="0"/>
-          <a:p>
-            <a:endParaRPr/>
-          </a:p>
-        </p:txBody>
-      </p:sp>
-      <p:sp>
-        <p:nvSpPr>
-          <p:cNvPr id="25" name="PlaceHolder 4"/>
-          <p:cNvSpPr>
-            <a:spLocks noGrp="1"/>
-          </p:cNvSpPr>
-          <p:nvPr>
-            <p:ph type="body"/>
-          </p:nvPr>
-        </p:nvSpPr>
-        <p:spPr>
-          <a:xfrm>
-            <a:off x="504000" y="4059360"/>
-            <a:ext cx="9071640" cy="2091240"/>
+            <a:ext cx="4426560" cy="2090880"/>
+          </a:xfrm>
+          <a:prstGeom prst="rect">
+            <a:avLst/>
+          </a:prstGeom>
+        </p:spPr>
+        <p:txBody>
+          <a:bodyPr lIns="0" rIns="0" tIns="0" bIns="0"/>
+          <a:p>
+            <a:endParaRPr/>
+          </a:p>
+        </p:txBody>
+      </p:sp>
+      <p:sp>
+        <p:nvSpPr>
+          <p:cNvPr id="21" name="PlaceHolder 3"/>
+          <p:cNvSpPr>
+            <a:spLocks noGrp="1"/>
+          </p:cNvSpPr>
+          <p:nvPr>
+            <p:ph type="body"/>
+          </p:nvPr>
+        </p:nvSpPr>
+        <p:spPr>
+          <a:xfrm>
+            <a:off x="5152320" y="1769040"/>
+            <a:ext cx="4426560" cy="2090880"/>
+          </a:xfrm>
+          <a:prstGeom prst="rect">
+            <a:avLst/>
+          </a:prstGeom>
+        </p:spPr>
+        <p:txBody>
+          <a:bodyPr lIns="0" rIns="0" tIns="0" bIns="0"/>
+          <a:p>
+            <a:endParaRPr/>
+          </a:p>
+        </p:txBody>
+      </p:sp>
+      <p:sp>
+        <p:nvSpPr>
+          <p:cNvPr id="22" name="PlaceHolder 4"/>
+          <p:cNvSpPr>
+            <a:spLocks noGrp="1"/>
+          </p:cNvSpPr>
+          <p:nvPr>
+            <p:ph type="body"/>
+          </p:nvPr>
+        </p:nvSpPr>
+        <p:spPr>
+          <a:xfrm>
+            <a:off x="504000" y="4059000"/>
+            <a:ext cx="9071280" cy="2090880"/>
           </a:xfrm>
           <a:prstGeom prst="rect">
             <a:avLst/>
@@ -1202,7 +3512,7 @@
         <p:spPr>
           <a:xfrm>
             <a:off x="504000" y="301320"/>
-            <a:ext cx="9071640" cy="1262160"/>
+            <a:ext cx="9071280" cy="1261800"/>
           </a:xfrm>
           <a:prstGeom prst="rect">
             <a:avLst/>
@@ -1211,9 +3521,8 @@
         <p:txBody>
           <a:bodyPr lIns="0" rIns="0" tIns="0" bIns="0" anchor="ctr"/>
           <a:p>
-            <a:pPr algn="ctr"/>
-            <a:r>
-              <a:rPr lang="en-US" sz="4400">
+            <a:r>
+              <a:rPr lang="en-US">
                 <a:latin typeface="Arial"/>
               </a:rPr>
               <a:t>Click to edit the title text format</a:t>
@@ -1234,8 +3543,8 @@
         </p:nvSpPr>
         <p:spPr>
           <a:xfrm>
-            <a:off x="504000" y="1769040"/>
-            <a:ext cx="9071640" cy="4384440"/>
+            <a:off x="504000" y="1768680"/>
+            <a:ext cx="9072000" cy="4384080"/>
           </a:xfrm>
           <a:prstGeom prst="rect">
             <a:avLst/>
@@ -1339,104 +3648,6 @@
               </a:rPr>
               <a:t>Seventh Outline Level</a:t>
             </a:r>
-            <a:endParaRPr/>
-          </a:p>
-        </p:txBody>
-      </p:sp>
-      <p:sp>
-        <p:nvSpPr>
-          <p:cNvPr id="2" name="PlaceHolder 3"/>
-          <p:cNvSpPr>
-            <a:spLocks noGrp="1"/>
-          </p:cNvSpPr>
-          <p:nvPr>
-            <p:ph type="dt"/>
-          </p:nvPr>
-        </p:nvSpPr>
-        <p:spPr>
-          <a:xfrm>
-            <a:off x="504000" y="6887160"/>
-            <a:ext cx="2348280" cy="521280"/>
-          </a:xfrm>
-          <a:prstGeom prst="rect">
-            <a:avLst/>
-          </a:prstGeom>
-        </p:spPr>
-        <p:txBody>
-          <a:bodyPr lIns="0" rIns="0" tIns="0" bIns="0"/>
-          <a:p>
-            <a:r>
-              <a:rPr lang="en-US" sz="1400">
-                <a:latin typeface="Times New Roman"/>
-              </a:rPr>
-              <a:t>&lt;date/time&gt;</a:t>
-            </a:r>
-            <a:endParaRPr/>
-          </a:p>
-        </p:txBody>
-      </p:sp>
-      <p:sp>
-        <p:nvSpPr>
-          <p:cNvPr id="3" name="PlaceHolder 4"/>
-          <p:cNvSpPr>
-            <a:spLocks noGrp="1"/>
-          </p:cNvSpPr>
-          <p:nvPr>
-            <p:ph type="ftr"/>
-          </p:nvPr>
-        </p:nvSpPr>
-        <p:spPr>
-          <a:xfrm>
-            <a:off x="3447360" y="6887160"/>
-            <a:ext cx="3195000" cy="521280"/>
-          </a:xfrm>
-          <a:prstGeom prst="rect">
-            <a:avLst/>
-          </a:prstGeom>
-        </p:spPr>
-        <p:txBody>
-          <a:bodyPr lIns="0" rIns="0" tIns="0" bIns="0"/>
-          <a:p>
-            <a:pPr algn="ctr"/>
-            <a:r>
-              <a:rPr lang="en-US" sz="1400">
-                <a:latin typeface="Times New Roman"/>
-              </a:rPr>
-              <a:t>&lt;footer&gt;</a:t>
-            </a:r>
-            <a:endParaRPr/>
-          </a:p>
-        </p:txBody>
-      </p:sp>
-      <p:sp>
-        <p:nvSpPr>
-          <p:cNvPr id="4" name="PlaceHolder 5"/>
-          <p:cNvSpPr>
-            <a:spLocks noGrp="1"/>
-          </p:cNvSpPr>
-          <p:nvPr>
-            <p:ph type="sldNum"/>
-          </p:nvPr>
-        </p:nvSpPr>
-        <p:spPr>
-          <a:xfrm>
-            <a:off x="7227360" y="6887160"/>
-            <a:ext cx="2348280" cy="521280"/>
-          </a:xfrm>
-          <a:prstGeom prst="rect">
-            <a:avLst/>
-          </a:prstGeom>
-        </p:spPr>
-        <p:txBody>
-          <a:bodyPr lIns="0" rIns="0" tIns="0" bIns="0"/>
-          <a:p>
-            <a:pPr algn="r"/>
-            <a:fld id="{059B0FA1-A359-47FC-8D30-60EC4C364198}" type="slidenum">
-              <a:rPr lang="en-US" sz="1400">
-                <a:latin typeface="Times New Roman"/>
-              </a:rPr>
-              <a:t>&lt;number&gt;</a:t>
-            </a:fld>
             <a:endParaRPr/>
           </a:p>
         </p:txBody>
@@ -1457,6 +3668,507 @@
     <p:sldLayoutId id="2147483658" r:id="rId11"/>
     <p:sldLayoutId id="2147483659" r:id="rId12"/>
     <p:sldLayoutId id="2147483660" r:id="rId13"/>
+  </p:sldLayoutIdLst>
+</p:sldMaster>
+</file>
+
+<file path=ppt/slideMasters/slideMaster2.xml><?xml version="1.0" encoding="utf-8"?>
+<p:sldMaster xmlns:a="http://schemas.openxmlformats.org/drawingml/2006/main" xmlns:p="http://schemas.openxmlformats.org/presentationml/2006/main" xmlns:r="http://schemas.openxmlformats.org/officeDocument/2006/relationships">
+  <p:cSld>
+    <p:spTree>
+      <p:nvGrpSpPr>
+        <p:cNvPr id="1" name=""/>
+        <p:cNvGrpSpPr/>
+        <p:nvPr/>
+      </p:nvGrpSpPr>
+      <p:grpSpPr>
+        <a:xfrm>
+          <a:off x="0" y="0"/>
+          <a:ext cx="0" cy="0"/>
+          <a:chOff x="0" y="0"/>
+          <a:chExt cx="0" cy="0"/>
+        </a:xfrm>
+      </p:grpSpPr>
+      <p:sp>
+        <p:nvSpPr>
+          <p:cNvPr id="36" name="PlaceHolder 1"/>
+          <p:cNvSpPr>
+            <a:spLocks noGrp="1"/>
+          </p:cNvSpPr>
+          <p:nvPr>
+            <p:ph type="title"/>
+          </p:nvPr>
+        </p:nvSpPr>
+        <p:spPr>
+          <a:xfrm>
+            <a:off x="504000" y="301320"/>
+            <a:ext cx="9071280" cy="1261800"/>
+          </a:xfrm>
+          <a:prstGeom prst="rect">
+            <a:avLst/>
+          </a:prstGeom>
+        </p:spPr>
+        <p:txBody>
+          <a:bodyPr lIns="0" rIns="0" tIns="0" bIns="0" anchor="ctr"/>
+          <a:p>
+            <a:r>
+              <a:rPr lang="en-US">
+                <a:latin typeface="Arial"/>
+              </a:rPr>
+              <a:t>Click to edit the title text format</a:t>
+            </a:r>
+            <a:endParaRPr/>
+          </a:p>
+        </p:txBody>
+      </p:sp>
+      <p:sp>
+        <p:nvSpPr>
+          <p:cNvPr id="37" name="PlaceHolder 2"/>
+          <p:cNvSpPr>
+            <a:spLocks noGrp="1"/>
+          </p:cNvSpPr>
+          <p:nvPr>
+            <p:ph type="body"/>
+          </p:nvPr>
+        </p:nvSpPr>
+        <p:spPr>
+          <a:xfrm>
+            <a:off x="504000" y="1769040"/>
+            <a:ext cx="9071280" cy="4384080"/>
+          </a:xfrm>
+          <a:prstGeom prst="rect">
+            <a:avLst/>
+          </a:prstGeom>
+        </p:spPr>
+        <p:txBody>
+          <a:bodyPr lIns="0" rIns="0" tIns="0" bIns="0"/>
+          <a:p>
+            <a:pPr>
+              <a:buSzPct val="45000"/>
+              <a:buFont typeface="StarSymbol"/>
+              <a:buChar char=""/>
+            </a:pPr>
+            <a:r>
+              <a:rPr lang="en-US">
+                <a:latin typeface="Arial"/>
+              </a:rPr>
+              <a:t>Click to edit the outline text format</a:t>
+            </a:r>
+            <a:endParaRPr/>
+          </a:p>
+          <a:p>
+            <a:pPr lvl="1">
+              <a:buSzPct val="75000"/>
+              <a:buFont typeface="StarSymbol"/>
+              <a:buChar char=""/>
+            </a:pPr>
+            <a:r>
+              <a:rPr lang="en-US">
+                <a:latin typeface="Arial"/>
+              </a:rPr>
+              <a:t>Second Outline Level</a:t>
+            </a:r>
+            <a:endParaRPr/>
+          </a:p>
+          <a:p>
+            <a:pPr lvl="2">
+              <a:buSzPct val="45000"/>
+              <a:buFont typeface="StarSymbol"/>
+              <a:buChar char=""/>
+            </a:pPr>
+            <a:r>
+              <a:rPr lang="en-US">
+                <a:latin typeface="Arial"/>
+              </a:rPr>
+              <a:t>Third Outline Level</a:t>
+            </a:r>
+            <a:endParaRPr/>
+          </a:p>
+          <a:p>
+            <a:pPr lvl="3">
+              <a:buSzPct val="75000"/>
+              <a:buFont typeface="StarSymbol"/>
+              <a:buChar char=""/>
+            </a:pPr>
+            <a:r>
+              <a:rPr lang="en-US">
+                <a:latin typeface="Arial"/>
+              </a:rPr>
+              <a:t>Fourth Outline Level</a:t>
+            </a:r>
+            <a:endParaRPr/>
+          </a:p>
+          <a:p>
+            <a:pPr lvl="4">
+              <a:buSzPct val="45000"/>
+              <a:buFont typeface="StarSymbol"/>
+              <a:buChar char=""/>
+            </a:pPr>
+            <a:r>
+              <a:rPr lang="en-US">
+                <a:latin typeface="Arial"/>
+              </a:rPr>
+              <a:t>Fifth Outline Level</a:t>
+            </a:r>
+            <a:endParaRPr/>
+          </a:p>
+          <a:p>
+            <a:pPr lvl="5">
+              <a:buSzPct val="45000"/>
+              <a:buFont typeface="StarSymbol"/>
+              <a:buChar char=""/>
+            </a:pPr>
+            <a:r>
+              <a:rPr lang="en-US">
+                <a:latin typeface="Arial"/>
+              </a:rPr>
+              <a:t>Sixth Outline Level</a:t>
+            </a:r>
+            <a:endParaRPr/>
+          </a:p>
+          <a:p>
+            <a:pPr lvl="6">
+              <a:buSzPct val="45000"/>
+              <a:buFont typeface="StarSymbol"/>
+              <a:buChar char=""/>
+            </a:pPr>
+            <a:r>
+              <a:rPr lang="en-US">
+                <a:latin typeface="Arial"/>
+              </a:rPr>
+              <a:t>Seventh Outline Level</a:t>
+            </a:r>
+            <a:endParaRPr/>
+          </a:p>
+        </p:txBody>
+      </p:sp>
+    </p:spTree>
+  </p:cSld>
+  <p:clrMap bg1="lt1" bg2="lt2" tx1="dk1" tx2="dk2" accent1="accent1" accent2="accent2" accent3="accent3" accent4="accent4" accent5="accent5" accent6="accent6" hlink="hlink" folHlink="folHlink"/>
+  <p:sldLayoutIdLst>
+    <p:sldLayoutId id="2147483662" r:id="rId2"/>
+    <p:sldLayoutId id="2147483663" r:id="rId3"/>
+    <p:sldLayoutId id="2147483664" r:id="rId4"/>
+    <p:sldLayoutId id="2147483665" r:id="rId5"/>
+    <p:sldLayoutId id="2147483666" r:id="rId6"/>
+    <p:sldLayoutId id="2147483667" r:id="rId7"/>
+    <p:sldLayoutId id="2147483668" r:id="rId8"/>
+    <p:sldLayoutId id="2147483669" r:id="rId9"/>
+    <p:sldLayoutId id="2147483670" r:id="rId10"/>
+    <p:sldLayoutId id="2147483671" r:id="rId11"/>
+    <p:sldLayoutId id="2147483672" r:id="rId12"/>
+    <p:sldLayoutId id="2147483673" r:id="rId13"/>
+  </p:sldLayoutIdLst>
+</p:sldMaster>
+</file>
+
+<file path=ppt/slideMasters/slideMaster3.xml><?xml version="1.0" encoding="utf-8"?>
+<p:sldMaster xmlns:a="http://schemas.openxmlformats.org/drawingml/2006/main" xmlns:p="http://schemas.openxmlformats.org/presentationml/2006/main" xmlns:r="http://schemas.openxmlformats.org/officeDocument/2006/relationships">
+  <p:cSld>
+    <p:spTree>
+      <p:nvGrpSpPr>
+        <p:cNvPr id="1" name=""/>
+        <p:cNvGrpSpPr/>
+        <p:nvPr/>
+      </p:nvGrpSpPr>
+      <p:grpSpPr>
+        <a:xfrm>
+          <a:off x="0" y="0"/>
+          <a:ext cx="0" cy="0"/>
+          <a:chOff x="0" y="0"/>
+          <a:chExt cx="0" cy="0"/>
+        </a:xfrm>
+      </p:grpSpPr>
+      <p:sp>
+        <p:nvSpPr>
+          <p:cNvPr id="72" name="PlaceHolder 1"/>
+          <p:cNvSpPr>
+            <a:spLocks noGrp="1"/>
+          </p:cNvSpPr>
+          <p:nvPr>
+            <p:ph type="title"/>
+          </p:nvPr>
+        </p:nvSpPr>
+        <p:spPr>
+          <a:xfrm>
+            <a:off x="504000" y="301320"/>
+            <a:ext cx="9071280" cy="1261800"/>
+          </a:xfrm>
+          <a:prstGeom prst="rect">
+            <a:avLst/>
+          </a:prstGeom>
+        </p:spPr>
+        <p:txBody>
+          <a:bodyPr lIns="0" rIns="0" tIns="0" bIns="0" anchor="ctr"/>
+          <a:p>
+            <a:r>
+              <a:rPr lang="en-US">
+                <a:latin typeface="Arial"/>
+              </a:rPr>
+              <a:t>Click to edit the title text format</a:t>
+            </a:r>
+            <a:endParaRPr/>
+          </a:p>
+        </p:txBody>
+      </p:sp>
+      <p:sp>
+        <p:nvSpPr>
+          <p:cNvPr id="73" name="PlaceHolder 2"/>
+          <p:cNvSpPr>
+            <a:spLocks noGrp="1"/>
+          </p:cNvSpPr>
+          <p:nvPr>
+            <p:ph type="body"/>
+          </p:nvPr>
+        </p:nvSpPr>
+        <p:spPr>
+          <a:xfrm>
+            <a:off x="504000" y="1769040"/>
+            <a:ext cx="4426560" cy="4384080"/>
+          </a:xfrm>
+          <a:prstGeom prst="rect">
+            <a:avLst/>
+          </a:prstGeom>
+        </p:spPr>
+        <p:txBody>
+          <a:bodyPr lIns="0" rIns="0" tIns="0" bIns="0"/>
+          <a:p>
+            <a:pPr>
+              <a:buSzPct val="45000"/>
+              <a:buFont typeface="StarSymbol"/>
+              <a:buChar char=""/>
+            </a:pPr>
+            <a:r>
+              <a:rPr lang="en-US">
+                <a:latin typeface="Arial"/>
+              </a:rPr>
+              <a:t>Click to edit the outline text format</a:t>
+            </a:r>
+            <a:endParaRPr/>
+          </a:p>
+          <a:p>
+            <a:pPr lvl="1">
+              <a:buSzPct val="75000"/>
+              <a:buFont typeface="StarSymbol"/>
+              <a:buChar char=""/>
+            </a:pPr>
+            <a:r>
+              <a:rPr lang="en-US">
+                <a:latin typeface="Arial"/>
+              </a:rPr>
+              <a:t>Second Outline Level</a:t>
+            </a:r>
+            <a:endParaRPr/>
+          </a:p>
+          <a:p>
+            <a:pPr lvl="2">
+              <a:buSzPct val="45000"/>
+              <a:buFont typeface="StarSymbol"/>
+              <a:buChar char=""/>
+            </a:pPr>
+            <a:r>
+              <a:rPr lang="en-US">
+                <a:latin typeface="Arial"/>
+              </a:rPr>
+              <a:t>Third Outline Level</a:t>
+            </a:r>
+            <a:endParaRPr/>
+          </a:p>
+          <a:p>
+            <a:pPr lvl="3">
+              <a:buSzPct val="75000"/>
+              <a:buFont typeface="StarSymbol"/>
+              <a:buChar char=""/>
+            </a:pPr>
+            <a:r>
+              <a:rPr lang="en-US">
+                <a:latin typeface="Arial"/>
+              </a:rPr>
+              <a:t>Fourth Outline Level</a:t>
+            </a:r>
+            <a:endParaRPr/>
+          </a:p>
+          <a:p>
+            <a:pPr lvl="4">
+              <a:buSzPct val="45000"/>
+              <a:buFont typeface="StarSymbol"/>
+              <a:buChar char=""/>
+            </a:pPr>
+            <a:r>
+              <a:rPr lang="en-US">
+                <a:latin typeface="Arial"/>
+              </a:rPr>
+              <a:t>Fifth Outline Level</a:t>
+            </a:r>
+            <a:endParaRPr/>
+          </a:p>
+          <a:p>
+            <a:pPr lvl="5">
+              <a:buSzPct val="45000"/>
+              <a:buFont typeface="StarSymbol"/>
+              <a:buChar char=""/>
+            </a:pPr>
+            <a:r>
+              <a:rPr lang="en-US">
+                <a:latin typeface="Arial"/>
+              </a:rPr>
+              <a:t>Sixth Outline Level</a:t>
+            </a:r>
+            <a:endParaRPr/>
+          </a:p>
+          <a:p>
+            <a:pPr lvl="6">
+              <a:buSzPct val="45000"/>
+              <a:buFont typeface="StarSymbol"/>
+              <a:buChar char=""/>
+            </a:pPr>
+            <a:r>
+              <a:rPr lang="en-US">
+                <a:latin typeface="Arial"/>
+              </a:rPr>
+              <a:t>Seventh Outline Level</a:t>
+            </a:r>
+            <a:endParaRPr/>
+          </a:p>
+        </p:txBody>
+      </p:sp>
+      <p:sp>
+        <p:nvSpPr>
+          <p:cNvPr id="74" name="PlaceHolder 3"/>
+          <p:cNvSpPr>
+            <a:spLocks noGrp="1"/>
+          </p:cNvSpPr>
+          <p:nvPr>
+            <p:ph type="body"/>
+          </p:nvPr>
+        </p:nvSpPr>
+        <p:spPr>
+          <a:xfrm>
+            <a:off x="5152680" y="1769040"/>
+            <a:ext cx="4426560" cy="4384080"/>
+          </a:xfrm>
+          <a:prstGeom prst="rect">
+            <a:avLst/>
+          </a:prstGeom>
+        </p:spPr>
+        <p:txBody>
+          <a:bodyPr lIns="0" rIns="0" tIns="0" bIns="0"/>
+          <a:p>
+            <a:pPr>
+              <a:buSzPct val="45000"/>
+              <a:buFont typeface="StarSymbol"/>
+              <a:buChar char=""/>
+            </a:pPr>
+            <a:r>
+              <a:rPr lang="en-US">
+                <a:latin typeface="Arial"/>
+              </a:rPr>
+              <a:t>Click to edit the outline text format</a:t>
+            </a:r>
+            <a:endParaRPr/>
+          </a:p>
+          <a:p>
+            <a:pPr lvl="1">
+              <a:buSzPct val="75000"/>
+              <a:buFont typeface="StarSymbol"/>
+              <a:buChar char=""/>
+            </a:pPr>
+            <a:r>
+              <a:rPr lang="en-US">
+                <a:latin typeface="Arial"/>
+              </a:rPr>
+              <a:t>Second Outline Level</a:t>
+            </a:r>
+            <a:endParaRPr/>
+          </a:p>
+          <a:p>
+            <a:pPr lvl="2">
+              <a:buSzPct val="45000"/>
+              <a:buFont typeface="StarSymbol"/>
+              <a:buChar char=""/>
+            </a:pPr>
+            <a:r>
+              <a:rPr lang="en-US">
+                <a:latin typeface="Arial"/>
+              </a:rPr>
+              <a:t>Third Outline Level</a:t>
+            </a:r>
+            <a:endParaRPr/>
+          </a:p>
+          <a:p>
+            <a:pPr lvl="3">
+              <a:buSzPct val="75000"/>
+              <a:buFont typeface="StarSymbol"/>
+              <a:buChar char=""/>
+            </a:pPr>
+            <a:r>
+              <a:rPr lang="en-US">
+                <a:latin typeface="Arial"/>
+              </a:rPr>
+              <a:t>Fourth Outline Level</a:t>
+            </a:r>
+            <a:endParaRPr/>
+          </a:p>
+          <a:p>
+            <a:pPr lvl="4">
+              <a:buSzPct val="45000"/>
+              <a:buFont typeface="StarSymbol"/>
+              <a:buChar char=""/>
+            </a:pPr>
+            <a:r>
+              <a:rPr lang="en-US">
+                <a:latin typeface="Arial"/>
+              </a:rPr>
+              <a:t>Fifth Outline Level</a:t>
+            </a:r>
+            <a:endParaRPr/>
+          </a:p>
+          <a:p>
+            <a:pPr lvl="5">
+              <a:buSzPct val="45000"/>
+              <a:buFont typeface="StarSymbol"/>
+              <a:buChar char=""/>
+            </a:pPr>
+            <a:r>
+              <a:rPr lang="en-US">
+                <a:latin typeface="Arial"/>
+              </a:rPr>
+              <a:t>Sixth Outline Level</a:t>
+            </a:r>
+            <a:endParaRPr/>
+          </a:p>
+          <a:p>
+            <a:pPr lvl="6">
+              <a:buSzPct val="45000"/>
+              <a:buFont typeface="StarSymbol"/>
+              <a:buChar char=""/>
+            </a:pPr>
+            <a:r>
+              <a:rPr lang="en-US">
+                <a:latin typeface="Arial"/>
+              </a:rPr>
+              <a:t>Seventh Outline Level</a:t>
+            </a:r>
+            <a:endParaRPr/>
+          </a:p>
+        </p:txBody>
+      </p:sp>
+    </p:spTree>
+  </p:cSld>
+  <p:clrMap bg1="lt1" bg2="lt2" tx1="dk1" tx2="dk2" accent1="accent1" accent2="accent2" accent3="accent3" accent4="accent4" accent5="accent5" accent6="accent6" hlink="hlink" folHlink="folHlink"/>
+  <p:sldLayoutIdLst>
+    <p:sldLayoutId id="2147483675" r:id="rId2"/>
+    <p:sldLayoutId id="2147483676" r:id="rId3"/>
+    <p:sldLayoutId id="2147483677" r:id="rId4"/>
+    <p:sldLayoutId id="2147483678" r:id="rId5"/>
+    <p:sldLayoutId id="2147483679" r:id="rId6"/>
+    <p:sldLayoutId id="2147483680" r:id="rId7"/>
+    <p:sldLayoutId id="2147483681" r:id="rId8"/>
+    <p:sldLayoutId id="2147483682" r:id="rId9"/>
+    <p:sldLayoutId id="2147483683" r:id="rId10"/>
+    <p:sldLayoutId id="2147483684" r:id="rId11"/>
+    <p:sldLayoutId id="2147483685" r:id="rId12"/>
+    <p:sldLayoutId id="2147483686" r:id="rId13"/>
   </p:sldLayoutIdLst>
 </p:sldMaster>
 </file>
@@ -1480,14 +4192,14 @@
       </p:grpSpPr>
       <p:sp>
         <p:nvSpPr>
-          <p:cNvPr id="39" name="TextShape 1"/>
-          <p:cNvSpPr txBox="1"/>
+          <p:cNvPr id="109" name="CustomShape 1"/>
+          <p:cNvSpPr/>
           <p:nvPr/>
         </p:nvSpPr>
         <p:spPr>
           <a:xfrm>
             <a:off x="504000" y="301320"/>
-            <a:ext cx="9071640" cy="1262160"/>
+            <a:ext cx="9071280" cy="1261800"/>
           </a:xfrm>
           <a:prstGeom prst="rect">
             <a:avLst/>
@@ -1497,12 +4209,22 @@
             <a:noFill/>
           </a:ln>
         </p:spPr>
+        <p:style>
+          <a:lnRef idx="0"/>
+          <a:fillRef idx="0"/>
+          <a:effectRef idx="0"/>
+          <a:fontRef idx="minor"/>
+        </p:style>
         <p:txBody>
           <a:bodyPr lIns="0" rIns="0" tIns="0" bIns="0" anchor="ctr"/>
           <a:p>
-            <a:pPr algn="ctr"/>
-            <a:r>
-              <a:rPr lang="en-US" sz="4400">
+            <a:pPr algn="ctr">
+              <a:lnSpc>
+                <a:spcPct val="100000"/>
+              </a:lnSpc>
+            </a:pPr>
+            <a:r>
+              <a:rPr lang="en-US" sz="4400" strike="noStrike">
                 <a:latin typeface="Arial"/>
               </a:rPr>
               <a:t>ArachnoBeea</a:t>
@@ -1513,14 +4235,14 @@
       </p:sp>
       <p:sp>
         <p:nvSpPr>
-          <p:cNvPr id="40" name="TextShape 2"/>
-          <p:cNvSpPr txBox="1"/>
+          <p:cNvPr id="110" name="CustomShape 2"/>
+          <p:cNvSpPr/>
           <p:nvPr/>
         </p:nvSpPr>
         <p:spPr>
           <a:xfrm>
             <a:off x="520200" y="1293840"/>
-            <a:ext cx="9071640" cy="5430600"/>
+            <a:ext cx="9071280" cy="5430240"/>
           </a:xfrm>
           <a:prstGeom prst="rect">
             <a:avLst/>
@@ -1530,18 +4252,28 @@
             <a:noFill/>
           </a:ln>
         </p:spPr>
+        <p:style>
+          <a:lnRef idx="0"/>
+          <a:fillRef idx="0"/>
+          <a:effectRef idx="0"/>
+          <a:fontRef idx="minor"/>
+        </p:style>
         <p:txBody>
           <a:bodyPr lIns="0" rIns="0" tIns="0" bIns="0" anchor="ctr"/>
           <a:p>
-            <a:pPr algn="ctr"/>
-            <a:r>
-              <a:rPr lang="en-US" sz="3200">
+            <a:pPr algn="ctr">
+              <a:lnSpc>
+                <a:spcPct val="100000"/>
+              </a:lnSpc>
+            </a:pPr>
+            <a:r>
+              <a:rPr lang="en-US" sz="3200" strike="noStrike">
                 <a:latin typeface="Arial"/>
               </a:rPr>
               <a:t> </a:t>
             </a:r>
             <a:r>
-              <a:rPr lang="en-US" sz="3200">
+              <a:rPr lang="en-US" sz="3200" strike="noStrike">
                 <a:latin typeface="Arial"/>
               </a:rPr>
               <a:t>Product: How well does this project fit the needs of the challenge it addresses? How user friendly is the technology? Is it a complete solution or does it have a long way to go? Sustainability: How good is the plan for next steps? How prepared is the projectteam to continue their work beyond the event? Is the project organized in a way so others can take the project to the next level? Presentation: How well did the team communicate their project? Are they effective in telling the story of the project and why it is important?</a:t>
@@ -1601,14 +4333,14 @@
       </p:grpSpPr>
       <p:sp>
         <p:nvSpPr>
-          <p:cNvPr id="41" name="TextShape 1"/>
-          <p:cNvSpPr txBox="1"/>
+          <p:cNvPr id="111" name="CustomShape 1"/>
+          <p:cNvSpPr/>
           <p:nvPr/>
         </p:nvSpPr>
         <p:spPr>
           <a:xfrm>
             <a:off x="504000" y="301320"/>
-            <a:ext cx="9071640" cy="1262160"/>
+            <a:ext cx="9071280" cy="1261800"/>
           </a:xfrm>
           <a:prstGeom prst="rect">
             <a:avLst/>
@@ -1618,12 +4350,22 @@
             <a:noFill/>
           </a:ln>
         </p:spPr>
+        <p:style>
+          <a:lnRef idx="0"/>
+          <a:fillRef idx="0"/>
+          <a:effectRef idx="0"/>
+          <a:fontRef idx="minor"/>
+        </p:style>
         <p:txBody>
           <a:bodyPr lIns="0" rIns="0" tIns="0" bIns="0" anchor="ctr"/>
           <a:p>
-            <a:pPr algn="ctr"/>
-            <a:r>
-              <a:rPr lang="en-US" sz="4400">
+            <a:pPr algn="ctr">
+              <a:lnSpc>
+                <a:spcPct val="100000"/>
+              </a:lnSpc>
+            </a:pPr>
+            <a:r>
+              <a:rPr lang="en-US" sz="4400" strike="noStrike">
                 <a:latin typeface="Arial"/>
               </a:rPr>
               <a:t>Impact</a:t>
@@ -1634,14 +4376,14 @@
       </p:sp>
       <p:sp>
         <p:nvSpPr>
-          <p:cNvPr id="42" name="TextShape 2"/>
-          <p:cNvSpPr txBox="1"/>
+          <p:cNvPr id="112" name="CustomShape 2"/>
+          <p:cNvSpPr/>
           <p:nvPr/>
         </p:nvSpPr>
         <p:spPr>
           <a:xfrm>
             <a:off x="504000" y="1769040"/>
-            <a:ext cx="9071640" cy="4384440"/>
+            <a:ext cx="9071280" cy="4384080"/>
           </a:xfrm>
           <a:prstGeom prst="rect">
             <a:avLst/>
@@ -1651,16 +4393,25 @@
             <a:noFill/>
           </a:ln>
         </p:spPr>
+        <p:style>
+          <a:lnRef idx="0"/>
+          <a:fillRef idx="0"/>
+          <a:effectRef idx="0"/>
+          <a:fontRef idx="minor"/>
+        </p:style>
         <p:txBody>
           <a:bodyPr lIns="0" rIns="0" tIns="0" bIns="0"/>
           <a:p>
             <a:pPr>
+              <a:lnSpc>
+                <a:spcPct val="100000"/>
+              </a:lnSpc>
               <a:buSzPct val="45000"/>
               <a:buFont typeface="StarSymbol"/>
-              <a:buChar char=""/>
+              <a:buChar char="l"/>
             </a:pPr>
             <a:r>
-              <a:rPr lang="en-US" sz="3200">
+              <a:rPr lang="en-US" sz="3200" strike="noStrike">
                 <a:latin typeface="Arial"/>
               </a:rPr>
               <a:t>The impact that we will produce will be on the all aspects of life on space station.</a:t>
@@ -1669,12 +4420,15 @@
           </a:p>
           <a:p>
             <a:pPr>
+              <a:lnSpc>
+                <a:spcPct val="100000"/>
+              </a:lnSpc>
               <a:buSzPct val="45000"/>
               <a:buFont typeface="StarSymbol"/>
-              <a:buChar char=""/>
+              <a:buChar char="l"/>
             </a:pPr>
             <a:r>
-              <a:rPr lang="en-US" sz="3200">
+              <a:rPr lang="en-US" sz="3200" strike="noStrike">
                 <a:latin typeface="Arial"/>
               </a:rPr>
               <a:t>Robot/Drone will be helping about many things like repairs, building new stuff and, of course, carrying things around</a:t>
@@ -1683,12 +4437,15 @@
           </a:p>
           <a:p>
             <a:pPr>
+              <a:lnSpc>
+                <a:spcPct val="100000"/>
+              </a:lnSpc>
               <a:buSzPct val="45000"/>
               <a:buFont typeface="StarSymbol"/>
-              <a:buChar char=""/>
+              <a:buChar char="l"/>
             </a:pPr>
             <a:r>
-              <a:rPr lang="en-US" sz="3200">
+              <a:rPr lang="en-US" sz="3200" strike="noStrike">
                 <a:latin typeface="Arial"/>
               </a:rPr>
               <a:t>Also, this system could have an impact on inventory management system on space station</a:t>
@@ -1697,12 +4454,15 @@
           </a:p>
           <a:p>
             <a:pPr>
+              <a:lnSpc>
+                <a:spcPct val="100000"/>
+              </a:lnSpc>
               <a:buSzPct val="45000"/>
               <a:buFont typeface="StarSymbol"/>
-              <a:buChar char=""/>
+              <a:buChar char="l"/>
             </a:pPr>
             <a:r>
-              <a:rPr lang="en-US" sz="3200">
+              <a:rPr lang="en-US" sz="3200" strike="noStrike">
                 <a:latin typeface="Arial"/>
               </a:rPr>
               <a:t>How would that make everyone feel (not having to worry about “Earthly” stuff and just do cool, scientific stuff)?</a:t>
@@ -1762,14 +4522,14 @@
       </p:grpSpPr>
       <p:sp>
         <p:nvSpPr>
-          <p:cNvPr id="43" name="TextShape 1"/>
-          <p:cNvSpPr txBox="1"/>
+          <p:cNvPr id="113" name="CustomShape 1"/>
+          <p:cNvSpPr/>
           <p:nvPr/>
         </p:nvSpPr>
         <p:spPr>
           <a:xfrm>
             <a:off x="504000" y="301320"/>
-            <a:ext cx="9071640" cy="1262160"/>
+            <a:ext cx="9071280" cy="1261800"/>
           </a:xfrm>
           <a:prstGeom prst="rect">
             <a:avLst/>
@@ -1779,25 +4539,31 @@
             <a:noFill/>
           </a:ln>
         </p:spPr>
+        <p:style>
+          <a:lnRef idx="0"/>
+          <a:fillRef idx="0"/>
+          <a:effectRef idx="0"/>
+          <a:fontRef idx="minor"/>
+        </p:style>
         <p:txBody>
           <a:bodyPr lIns="0" rIns="0" tIns="0" bIns="0" anchor="ctr"/>
           <a:p>
-            <a:pPr algn="ctr"/>
-            <a:r>
-              <a:rPr lang="en-US" sz="4400">
+            <a:r>
+              <a:rPr lang="en-US" sz="4400" strike="noStrike">
                 <a:latin typeface="Arial"/>
               </a:rPr>
               <a:t>Like BATMAN!</a:t>
             </a:r>
-            <a:r>
-              <a:rPr lang="en-US" sz="4400">
-                <a:latin typeface="Arial"/>
-              </a:rPr>
-              <a:t>
-</a:t>
-            </a:r>
-            <a:r>
-              <a:rPr lang="en-US" sz="2600">
+            <a:endParaRPr/>
+          </a:p>
+          <a:p>
+            <a:pPr algn="ctr">
+              <a:lnSpc>
+                <a:spcPct val="100000"/>
+              </a:lnSpc>
+            </a:pPr>
+            <a:r>
+              <a:rPr lang="en-US" sz="2600" strike="noStrike">
                 <a:latin typeface="Arial"/>
               </a:rPr>
               <a:t>Because everyone will have their own friendly little Alfred!</a:t>
@@ -1808,7 +4574,7 @@
       </p:sp>
       <p:pic>
         <p:nvPicPr>
-          <p:cNvPr id="44" name="" descr=""/>
+          <p:cNvPr id="114" name="" descr=""/>
           <p:cNvPicPr/>
           <p:nvPr/>
         </p:nvPicPr>
@@ -1819,7 +4585,7 @@
         <p:spPr>
           <a:xfrm>
             <a:off x="1166760" y="1768680"/>
-            <a:ext cx="7745760" cy="4384440"/>
+            <a:ext cx="7745400" cy="4384080"/>
           </a:xfrm>
           <a:prstGeom prst="rect">
             <a:avLst/>
@@ -1880,14 +4646,14 @@
       </p:grpSpPr>
       <p:sp>
         <p:nvSpPr>
-          <p:cNvPr id="45" name="TextShape 1"/>
-          <p:cNvSpPr txBox="1"/>
+          <p:cNvPr id="115" name="CustomShape 1"/>
+          <p:cNvSpPr/>
           <p:nvPr/>
         </p:nvSpPr>
         <p:spPr>
           <a:xfrm>
             <a:off x="504000" y="301320"/>
-            <a:ext cx="9071640" cy="1262160"/>
+            <a:ext cx="9071280" cy="1261800"/>
           </a:xfrm>
           <a:prstGeom prst="rect">
             <a:avLst/>
@@ -1897,12 +4663,22 @@
             <a:noFill/>
           </a:ln>
         </p:spPr>
+        <p:style>
+          <a:lnRef idx="0"/>
+          <a:fillRef idx="0"/>
+          <a:effectRef idx="0"/>
+          <a:fontRef idx="minor"/>
+        </p:style>
         <p:txBody>
           <a:bodyPr lIns="0" rIns="0" tIns="0" bIns="0" anchor="ctr"/>
           <a:p>
-            <a:pPr algn="ctr"/>
-            <a:r>
-              <a:rPr lang="en-US" sz="4400">
+            <a:pPr algn="ctr">
+              <a:lnSpc>
+                <a:spcPct val="100000"/>
+              </a:lnSpc>
+            </a:pPr>
+            <a:r>
+              <a:rPr lang="en-US" sz="4400" strike="noStrike">
                 <a:latin typeface="Arial"/>
               </a:rPr>
               <a:t>Creativity</a:t>
@@ -1913,14 +4689,14 @@
       </p:sp>
       <p:sp>
         <p:nvSpPr>
-          <p:cNvPr id="46" name="TextShape 2"/>
-          <p:cNvSpPr txBox="1"/>
+          <p:cNvPr id="116" name="CustomShape 2"/>
+          <p:cNvSpPr/>
           <p:nvPr/>
         </p:nvSpPr>
         <p:spPr>
           <a:xfrm>
             <a:off x="504000" y="1769040"/>
-            <a:ext cx="9071640" cy="4384440"/>
+            <a:ext cx="9071280" cy="4384080"/>
           </a:xfrm>
           <a:prstGeom prst="rect">
             <a:avLst/>
@@ -1930,16 +4706,25 @@
             <a:noFill/>
           </a:ln>
         </p:spPr>
+        <p:style>
+          <a:lnRef idx="0"/>
+          <a:fillRef idx="0"/>
+          <a:effectRef idx="0"/>
+          <a:fontRef idx="minor"/>
+        </p:style>
         <p:txBody>
           <a:bodyPr lIns="0" rIns="0" tIns="0" bIns="0"/>
           <a:p>
             <a:pPr>
+              <a:lnSpc>
+                <a:spcPct val="100000"/>
+              </a:lnSpc>
               <a:buSzPct val="45000"/>
               <a:buFont typeface="StarSymbol"/>
-              <a:buChar char=""/>
+              <a:buChar char="l"/>
             </a:pPr>
             <a:r>
-              <a:rPr lang="en-US" sz="3200">
+              <a:rPr lang="en-US" sz="3200" strike="noStrike">
                 <a:latin typeface="Arial"/>
               </a:rPr>
               <a:t>How creative were we?</a:t>
@@ -1948,12 +4733,15 @@
           </a:p>
           <a:p>
             <a:pPr>
+              <a:lnSpc>
+                <a:spcPct val="100000"/>
+              </a:lnSpc>
               <a:buSzPct val="45000"/>
               <a:buFont typeface="StarSymbol"/>
-              <a:buChar char=""/>
+              <a:buChar char="l"/>
             </a:pPr>
             <a:r>
-              <a:rPr lang="en-US" sz="3200">
+              <a:rPr lang="en-US" sz="3200" strike="noStrike">
                 <a:latin typeface="Arial"/>
               </a:rPr>
               <a:t>Well, this little robot is using abundance of tech that is already there, but in a slightly new way. </a:t>
@@ -1962,12 +4750,15 @@
           </a:p>
           <a:p>
             <a:pPr>
+              <a:lnSpc>
+                <a:spcPct val="100000"/>
+              </a:lnSpc>
               <a:buSzPct val="45000"/>
               <a:buFont typeface="StarSymbol"/>
-              <a:buChar char=""/>
+              <a:buChar char="l"/>
             </a:pPr>
             <a:r>
-              <a:rPr lang="en-US" sz="3200">
+              <a:rPr lang="en-US" sz="3200" strike="noStrike">
                 <a:latin typeface="Arial"/>
               </a:rPr>
               <a:t>And a way that, in the future can show to be scalable, maintainable and easily upgradable.</a:t>
@@ -1976,12 +4767,15 @@
           </a:p>
           <a:p>
             <a:pPr>
+              <a:lnSpc>
+                <a:spcPct val="100000"/>
+              </a:lnSpc>
               <a:buSzPct val="45000"/>
               <a:buFont typeface="StarSymbol"/>
-              <a:buChar char=""/>
+              <a:buChar char="l"/>
             </a:pPr>
             <a:r>
-              <a:rPr lang="en-US" sz="3200">
+              <a:rPr lang="en-US" sz="3200" strike="noStrike">
                 <a:latin typeface="Arial"/>
               </a:rPr>
               <a:t>Main creative idea is that by adding legs with modular ending plug-ins we created a unmanned vehicle that, unlike the quad-copter drone, can work in environment that has no atmosphere (Like de-pressurized module on space station)!</a:t>
@@ -1990,12 +4784,15 @@
           </a:p>
           <a:p>
             <a:pPr>
+              <a:lnSpc>
+                <a:spcPct val="100000"/>
+              </a:lnSpc>
               <a:buSzPct val="45000"/>
               <a:buFont typeface="StarSymbol"/>
-              <a:buChar char=""/>
+              <a:buChar char="l"/>
             </a:pPr>
             <a:r>
-              <a:rPr lang="en-US" sz="3200">
+              <a:rPr lang="en-US" sz="3200" strike="noStrike">
                 <a:latin typeface="Arial"/>
               </a:rPr>
               <a:t>Also by modifying the grappler leg, you can give it a possibility to do other tasks like soldering, welding, screwing things...</a:t>
@@ -2055,14 +4852,14 @@
       </p:grpSpPr>
       <p:sp>
         <p:nvSpPr>
-          <p:cNvPr id="47" name="TextShape 1"/>
-          <p:cNvSpPr txBox="1"/>
+          <p:cNvPr id="117" name="CustomShape 1"/>
+          <p:cNvSpPr/>
           <p:nvPr/>
         </p:nvSpPr>
         <p:spPr>
           <a:xfrm>
             <a:off x="504000" y="301320"/>
-            <a:ext cx="9071640" cy="1262160"/>
+            <a:ext cx="9071280" cy="1261800"/>
           </a:xfrm>
           <a:prstGeom prst="rect">
             <a:avLst/>
@@ -2072,25 +4869,31 @@
             <a:noFill/>
           </a:ln>
         </p:spPr>
+        <p:style>
+          <a:lnRef idx="0"/>
+          <a:fillRef idx="0"/>
+          <a:effectRef idx="0"/>
+          <a:fontRef idx="minor"/>
+        </p:style>
         <p:txBody>
           <a:bodyPr lIns="0" rIns="0" tIns="0" bIns="0" anchor="ctr"/>
           <a:p>
-            <a:pPr algn="ctr"/>
-            <a:r>
-              <a:rPr lang="en-US" sz="4400">
+            <a:r>
+              <a:rPr lang="en-US" sz="4400" strike="noStrike">
                 <a:latin typeface="Arial"/>
               </a:rPr>
               <a:t>We went STAR WARS</a:t>
             </a:r>
-            <a:r>
-              <a:rPr lang="en-US" sz="4400">
-                <a:latin typeface="Arial"/>
-              </a:rPr>
-              <a:t>
-</a:t>
-            </a:r>
-            <a:r>
-              <a:rPr lang="en-US" sz="4400">
+            <a:endParaRPr/>
+          </a:p>
+          <a:p>
+            <a:pPr algn="ctr">
+              <a:lnSpc>
+                <a:spcPct val="100000"/>
+              </a:lnSpc>
+            </a:pPr>
+            <a:r>
+              <a:rPr lang="en-US" sz="4400" strike="noStrike">
                 <a:latin typeface="Arial"/>
               </a:rPr>
               <a:t>on this challenge :)</a:t>
@@ -2101,7 +4904,7 @@
       </p:sp>
       <p:pic>
         <p:nvPicPr>
-          <p:cNvPr id="48" name="" descr=""/>
+          <p:cNvPr id="118" name="" descr=""/>
           <p:cNvPicPr/>
           <p:nvPr/>
         </p:nvPicPr>
@@ -2112,7 +4915,7 @@
         <p:spPr>
           <a:xfrm>
             <a:off x="503640" y="2958120"/>
-            <a:ext cx="4426920" cy="2005560"/>
+            <a:ext cx="4426560" cy="2005200"/>
           </a:xfrm>
           <a:prstGeom prst="rect">
             <a:avLst/>
@@ -2124,7 +4927,7 @@
       </p:pic>
       <p:pic>
         <p:nvPicPr>
-          <p:cNvPr id="49" name="" descr=""/>
+          <p:cNvPr id="119" name="" descr=""/>
           <p:cNvPicPr/>
           <p:nvPr/>
         </p:nvPicPr>
@@ -2135,7 +4938,7 @@
         <p:spPr>
           <a:xfrm>
             <a:off x="5152320" y="2301120"/>
-            <a:ext cx="4426920" cy="3319920"/>
+            <a:ext cx="4426560" cy="3319560"/>
           </a:xfrm>
           <a:prstGeom prst="rect">
             <a:avLst/>
@@ -2196,14 +4999,14 @@
       </p:grpSpPr>
       <p:sp>
         <p:nvSpPr>
-          <p:cNvPr id="50" name="TextShape 1"/>
-          <p:cNvSpPr txBox="1"/>
+          <p:cNvPr id="120" name="CustomShape 1"/>
+          <p:cNvSpPr/>
           <p:nvPr/>
         </p:nvSpPr>
         <p:spPr>
           <a:xfrm>
             <a:off x="504000" y="301320"/>
-            <a:ext cx="9071640" cy="1262160"/>
+            <a:ext cx="9071280" cy="1261800"/>
           </a:xfrm>
           <a:prstGeom prst="rect">
             <a:avLst/>
@@ -2213,12 +5016,22 @@
             <a:noFill/>
           </a:ln>
         </p:spPr>
+        <p:style>
+          <a:lnRef idx="0"/>
+          <a:fillRef idx="0"/>
+          <a:effectRef idx="0"/>
+          <a:fontRef idx="minor"/>
+        </p:style>
         <p:txBody>
           <a:bodyPr lIns="0" rIns="0" tIns="0" bIns="0" anchor="ctr"/>
           <a:p>
-            <a:pPr algn="ctr"/>
-            <a:r>
-              <a:rPr lang="en-US" sz="4400">
+            <a:pPr algn="ctr">
+              <a:lnSpc>
+                <a:spcPct val="100000"/>
+              </a:lnSpc>
+            </a:pPr>
+            <a:r>
+              <a:rPr lang="en-US" sz="4400" strike="noStrike">
                 <a:latin typeface="Arial"/>
               </a:rPr>
               <a:t>Product</a:t>
@@ -2229,14 +5042,14 @@
       </p:sp>
       <p:sp>
         <p:nvSpPr>
-          <p:cNvPr id="51" name="TextShape 2"/>
-          <p:cNvSpPr txBox="1"/>
+          <p:cNvPr id="121" name="CustomShape 2"/>
+          <p:cNvSpPr/>
           <p:nvPr/>
         </p:nvSpPr>
         <p:spPr>
           <a:xfrm>
             <a:off x="504000" y="1769040"/>
-            <a:ext cx="9071640" cy="4384440"/>
+            <a:ext cx="9071280" cy="4384080"/>
           </a:xfrm>
           <a:prstGeom prst="rect">
             <a:avLst/>
@@ -2246,16 +5059,25 @@
             <a:noFill/>
           </a:ln>
         </p:spPr>
+        <p:style>
+          <a:lnRef idx="0"/>
+          <a:fillRef idx="0"/>
+          <a:effectRef idx="0"/>
+          <a:fontRef idx="minor"/>
+        </p:style>
         <p:txBody>
           <a:bodyPr lIns="0" rIns="0" tIns="0" bIns="0"/>
           <a:p>
             <a:pPr>
+              <a:lnSpc>
+                <a:spcPct val="100000"/>
+              </a:lnSpc>
               <a:buSzPct val="45000"/>
               <a:buFont typeface="StarSymbol"/>
-              <a:buChar char=""/>
+              <a:buChar char="l"/>
             </a:pPr>
             <a:r>
-              <a:rPr lang="en-US" sz="3200">
+              <a:rPr lang="en-US" sz="3200" strike="noStrike">
                 <a:latin typeface="Arial"/>
               </a:rPr>
               <a:t>To answer this question I will try to go through the main “phases” that our product will have to go through in order to solve the problem at hand</a:t>
@@ -2264,12 +5086,15 @@
           </a:p>
           <a:p>
             <a:pPr>
+              <a:lnSpc>
+                <a:spcPct val="100000"/>
+              </a:lnSpc>
               <a:buSzPct val="45000"/>
               <a:buFont typeface="StarSymbol"/>
-              <a:buChar char=""/>
+              <a:buChar char="l"/>
             </a:pPr>
             <a:r>
-              <a:rPr lang="en-US" sz="3200">
+              <a:rPr lang="en-US" sz="3200" strike="noStrike">
                 <a:latin typeface="Arial"/>
               </a:rPr>
               <a:t>Locating the cargo</a:t>
@@ -2278,12 +5103,15 @@
           </a:p>
           <a:p>
             <a:pPr>
+              <a:lnSpc>
+                <a:spcPct val="100000"/>
+              </a:lnSpc>
               <a:buSzPct val="45000"/>
               <a:buFont typeface="StarSymbol"/>
-              <a:buChar char=""/>
+              <a:buChar char="l"/>
             </a:pPr>
             <a:r>
-              <a:rPr lang="en-US" sz="3200">
+              <a:rPr lang="en-US" sz="3200" strike="noStrike">
                 <a:latin typeface="Arial"/>
               </a:rPr>
               <a:t>Planning the route</a:t>
@@ -2292,12 +5120,15 @@
           </a:p>
           <a:p>
             <a:pPr>
+              <a:lnSpc>
+                <a:spcPct val="100000"/>
+              </a:lnSpc>
               <a:buSzPct val="45000"/>
               <a:buFont typeface="StarSymbol"/>
-              <a:buChar char=""/>
+              <a:buChar char="l"/>
             </a:pPr>
             <a:r>
-              <a:rPr lang="en-US" sz="3200">
+              <a:rPr lang="en-US" sz="3200" strike="noStrike">
                 <a:latin typeface="Arial"/>
               </a:rPr>
               <a:t>Flight control / collision avoidance</a:t>
@@ -2306,12 +5137,15 @@
           </a:p>
           <a:p>
             <a:pPr>
+              <a:lnSpc>
+                <a:spcPct val="100000"/>
+              </a:lnSpc>
               <a:buSzPct val="45000"/>
               <a:buFont typeface="StarSymbol"/>
-              <a:buChar char=""/>
+              <a:buChar char="l"/>
             </a:pPr>
             <a:r>
-              <a:rPr lang="en-US" sz="3200">
+              <a:rPr lang="en-US" sz="3200" strike="noStrike">
                 <a:latin typeface="Arial"/>
               </a:rPr>
               <a:t>Homing on the object</a:t>
@@ -2320,12 +5154,15 @@
           </a:p>
           <a:p>
             <a:pPr>
+              <a:lnSpc>
+                <a:spcPct val="100000"/>
+              </a:lnSpc>
               <a:buSzPct val="45000"/>
               <a:buFont typeface="StarSymbol"/>
-              <a:buChar char=""/>
+              <a:buChar char="l"/>
             </a:pPr>
             <a:r>
-              <a:rPr lang="en-US" sz="3200">
+              <a:rPr lang="en-US" sz="3200" strike="noStrike">
                 <a:latin typeface="Arial"/>
               </a:rPr>
               <a:t>Grabbing the object</a:t>
@@ -2334,12 +5171,15 @@
           </a:p>
           <a:p>
             <a:pPr>
+              <a:lnSpc>
+                <a:spcPct val="100000"/>
+              </a:lnSpc>
               <a:buSzPct val="45000"/>
               <a:buFont typeface="StarSymbol"/>
-              <a:buChar char=""/>
+              <a:buChar char="l"/>
             </a:pPr>
             <a:r>
-              <a:rPr lang="en-US" sz="3200">
+              <a:rPr lang="en-US" sz="3200" strike="noStrike">
                 <a:latin typeface="Arial"/>
               </a:rPr>
               <a:t>Where to take it?</a:t>
@@ -2348,12 +5188,15 @@
           </a:p>
           <a:p>
             <a:pPr>
+              <a:lnSpc>
+                <a:spcPct val="100000"/>
+              </a:lnSpc>
               <a:buSzPct val="45000"/>
               <a:buFont typeface="StarSymbol"/>
-              <a:buChar char=""/>
+              <a:buChar char="l"/>
             </a:pPr>
             <a:r>
-              <a:rPr lang="en-US" sz="3200">
+              <a:rPr lang="en-US" sz="3200" strike="noStrike">
                 <a:latin typeface="Arial"/>
               </a:rPr>
               <a:t>Additional problems that we solve (non pressurized environment, other tasks)</a:t>
@@ -2413,14 +5256,14 @@
       </p:grpSpPr>
       <p:sp>
         <p:nvSpPr>
-          <p:cNvPr id="52" name="TextShape 1"/>
-          <p:cNvSpPr txBox="1"/>
+          <p:cNvPr id="122" name="CustomShape 1"/>
+          <p:cNvSpPr/>
           <p:nvPr/>
         </p:nvSpPr>
         <p:spPr>
           <a:xfrm>
             <a:off x="504000" y="301320"/>
-            <a:ext cx="9071640" cy="1262160"/>
+            <a:ext cx="9071280" cy="1261800"/>
           </a:xfrm>
           <a:prstGeom prst="rect">
             <a:avLst/>
@@ -2430,12 +5273,22 @@
             <a:noFill/>
           </a:ln>
         </p:spPr>
+        <p:style>
+          <a:lnRef idx="0"/>
+          <a:fillRef idx="0"/>
+          <a:effectRef idx="0"/>
+          <a:fontRef idx="minor"/>
+        </p:style>
         <p:txBody>
           <a:bodyPr lIns="0" rIns="0" tIns="0" bIns="0" anchor="ctr"/>
           <a:p>
-            <a:pPr algn="ctr"/>
-            <a:r>
-              <a:rPr lang="en-US" sz="4400">
+            <a:pPr algn="ctr">
+              <a:lnSpc>
+                <a:spcPct val="100000"/>
+              </a:lnSpc>
+            </a:pPr>
+            <a:r>
+              <a:rPr lang="en-US" sz="4400" strike="noStrike">
                 <a:latin typeface="Arial"/>
               </a:rPr>
               <a:t>Sustainability</a:t>
@@ -2446,14 +5299,14 @@
       </p:sp>
       <p:sp>
         <p:nvSpPr>
-          <p:cNvPr id="53" name="TextShape 2"/>
-          <p:cNvSpPr txBox="1"/>
+          <p:cNvPr id="123" name="CustomShape 2"/>
+          <p:cNvSpPr/>
           <p:nvPr/>
         </p:nvSpPr>
         <p:spPr>
           <a:xfrm>
             <a:off x="504000" y="1769040"/>
-            <a:ext cx="9071640" cy="4384440"/>
+            <a:ext cx="9071280" cy="4384080"/>
           </a:xfrm>
           <a:prstGeom prst="rect">
             <a:avLst/>
@@ -2463,16 +5316,25 @@
             <a:noFill/>
           </a:ln>
         </p:spPr>
+        <p:style>
+          <a:lnRef idx="0"/>
+          <a:fillRef idx="0"/>
+          <a:effectRef idx="0"/>
+          <a:fontRef idx="minor"/>
+        </p:style>
         <p:txBody>
           <a:bodyPr lIns="0" rIns="0" tIns="0" bIns="0"/>
           <a:p>
             <a:pPr>
+              <a:lnSpc>
+                <a:spcPct val="100000"/>
+              </a:lnSpc>
               <a:buSzPct val="45000"/>
               <a:buFont typeface="StarSymbol"/>
-              <a:buChar char=""/>
+              <a:buChar char="l"/>
             </a:pPr>
             <a:r>
-              <a:rPr lang="en-US" sz="3200">
+              <a:rPr lang="en-US" sz="3200" strike="noStrike">
                 <a:latin typeface="Arial"/>
               </a:rPr>
               <a:t>Documentation built is high level design</a:t>
@@ -2481,12 +5343,15 @@
           </a:p>
           <a:p>
             <a:pPr>
+              <a:lnSpc>
+                <a:spcPct val="100000"/>
+              </a:lnSpc>
               <a:buSzPct val="45000"/>
               <a:buFont typeface="StarSymbol"/>
-              <a:buChar char=""/>
+              <a:buChar char="l"/>
             </a:pPr>
             <a:r>
-              <a:rPr lang="en-US" sz="3200">
+              <a:rPr lang="en-US" sz="3200" strike="noStrike">
                 <a:latin typeface="Arial"/>
               </a:rPr>
               <a:t>We gave hints on how to continue with the design</a:t>
@@ -2495,12 +5360,15 @@
           </a:p>
           <a:p>
             <a:pPr>
+              <a:lnSpc>
+                <a:spcPct val="100000"/>
+              </a:lnSpc>
               <a:buSzPct val="45000"/>
               <a:buFont typeface="StarSymbol"/>
-              <a:buChar char=""/>
+              <a:buChar char="l"/>
             </a:pPr>
             <a:r>
-              <a:rPr lang="en-US" sz="3200">
+              <a:rPr lang="en-US" sz="3200" strike="noStrike">
                 <a:latin typeface="Arial"/>
               </a:rPr>
               <a:t>We gave, in documentation, concrete solutions on some of the problems</a:t>
@@ -2509,12 +5377,15 @@
           </a:p>
           <a:p>
             <a:pPr>
+              <a:lnSpc>
+                <a:spcPct val="100000"/>
+              </a:lnSpc>
               <a:buSzPct val="45000"/>
               <a:buFont typeface="StarSymbol"/>
-              <a:buChar char=""/>
+              <a:buChar char="l"/>
             </a:pPr>
             <a:r>
-              <a:rPr lang="en-US" sz="3200">
+              <a:rPr lang="en-US" sz="3200" strike="noStrike">
                 <a:latin typeface="Arial"/>
               </a:rPr>
               <a:t>We have multidisciplinary team that had already worked with projects/problems that deal with problems that appear in this project as well</a:t>
@@ -2749,4 +5620,450 @@
     </a:fmtScheme>
   </a:themeElements>
 </a:theme>
+</file>
+
+<file path=ppt/theme/theme2.xml><?xml version="1.0" encoding="utf-8"?>
+<a:theme xmlns:a="http://schemas.openxmlformats.org/drawingml/2006/main" name="Office Theme">
+  <a:themeElements>
+    <a:clrScheme name="Office">
+      <a:dk1>
+        <a:sysClr val="windowText" lastClr="000000"/>
+      </a:dk1>
+      <a:lt1>
+        <a:sysClr val="window" lastClr="FFFFFF"/>
+      </a:lt1>
+      <a:dk2>
+        <a:srgbClr val="1F497D"/>
+      </a:dk2>
+      <a:lt2>
+        <a:srgbClr val="EEECE1"/>
+      </a:lt2>
+      <a:accent1>
+        <a:srgbClr val="4F81BD"/>
+      </a:accent1>
+      <a:accent2>
+        <a:srgbClr val="C0504D"/>
+      </a:accent2>
+      <a:accent3>
+        <a:srgbClr val="9BBB59"/>
+      </a:accent3>
+      <a:accent4>
+        <a:srgbClr val="8064A2"/>
+      </a:accent4>
+      <a:accent5>
+        <a:srgbClr val="4BACC6"/>
+      </a:accent5>
+      <a:accent6>
+        <a:srgbClr val="F79646"/>
+      </a:accent6>
+      <a:hlink>
+        <a:srgbClr val="0000FF"/>
+      </a:hlink>
+      <a:folHlink>
+        <a:srgbClr val="800080"/>
+      </a:folHlink>
+    </a:clrScheme>
+    <a:fontScheme name="Office">
+      <a:majorFont>
+        <a:latin typeface="Arial"/>
+        <a:ea typeface="DejaVu Sans"/>
+        <a:cs typeface="DejaVu Sans"/>
+      </a:majorFont>
+      <a:minorFont>
+        <a:latin typeface="Arial"/>
+        <a:ea typeface="DejaVu Sans"/>
+        <a:cs typeface="DejaVu Sans"/>
+      </a:minorFont>
+    </a:fontScheme>
+    <a:fmtScheme name="Office">
+      <a:fillStyleLst>
+        <a:solidFill>
+          <a:schemeClr val="phClr"/>
+        </a:solidFill>
+        <a:gradFill rotWithShape="1">
+          <a:gsLst>
+            <a:gs pos="0">
+              <a:schemeClr val="phClr">
+                <a:tint val="50000"/>
+                <a:satMod val="300000"/>
+              </a:schemeClr>
+            </a:gs>
+            <a:gs pos="35000">
+              <a:schemeClr val="phClr">
+                <a:tint val="37000"/>
+                <a:satMod val="300000"/>
+              </a:schemeClr>
+            </a:gs>
+            <a:gs pos="100000">
+              <a:schemeClr val="phClr">
+                <a:tint val="15000"/>
+                <a:satMod val="350000"/>
+              </a:schemeClr>
+            </a:gs>
+          </a:gsLst>
+          <a:lin ang="16200000" scaled="1"/>
+        </a:gradFill>
+        <a:gradFill rotWithShape="1">
+          <a:gsLst>
+            <a:gs pos="0">
+              <a:schemeClr val="phClr">
+                <a:shade val="51000"/>
+                <a:satMod val="130000"/>
+              </a:schemeClr>
+            </a:gs>
+            <a:gs pos="80000">
+              <a:schemeClr val="phClr">
+                <a:shade val="93000"/>
+                <a:satMod val="130000"/>
+              </a:schemeClr>
+            </a:gs>
+            <a:gs pos="100000">
+              <a:schemeClr val="phClr">
+                <a:shade val="94000"/>
+                <a:satMod val="135000"/>
+              </a:schemeClr>
+            </a:gs>
+          </a:gsLst>
+          <a:lin ang="16200000" scaled="0"/>
+        </a:gradFill>
+      </a:fillStyleLst>
+      <a:lnStyleLst>
+        <a:ln w="9525" cap="flat" cmpd="sng" algn="ctr">
+          <a:solidFill>
+            <a:schemeClr val="phClr">
+              <a:shade val="95000"/>
+              <a:satMod val="105000"/>
+            </a:schemeClr>
+          </a:solidFill>
+          <a:prstDash val="solid"/>
+        </a:ln>
+        <a:ln w="25400" cap="flat" cmpd="sng" algn="ctr">
+          <a:solidFill>
+            <a:schemeClr val="phClr"/>
+          </a:solidFill>
+          <a:prstDash val="solid"/>
+        </a:ln>
+        <a:ln w="38100" cap="flat" cmpd="sng" algn="ctr">
+          <a:solidFill>
+            <a:schemeClr val="phClr"/>
+          </a:solidFill>
+          <a:prstDash val="solid"/>
+        </a:ln>
+      </a:lnStyleLst>
+      <a:effectStyleLst>
+        <a:effectStyle>
+          <a:effectLst>
+            <a:outerShdw blurRad="40000" dist="20000" dir="5400000" rotWithShape="0">
+              <a:srgbClr val="000000">
+                <a:alpha val="38000"/>
+              </a:srgbClr>
+            </a:outerShdw>
+          </a:effectLst>
+        </a:effectStyle>
+        <a:effectStyle>
+          <a:effectLst>
+            <a:outerShdw blurRad="40000" dist="23000" dir="5400000" rotWithShape="0">
+              <a:srgbClr val="000000">
+                <a:alpha val="35000"/>
+              </a:srgbClr>
+            </a:outerShdw>
+          </a:effectLst>
+        </a:effectStyle>
+        <a:effectStyle>
+          <a:effectLst>
+            <a:outerShdw blurRad="40000" dist="23000" dir="5400000" rotWithShape="0">
+              <a:srgbClr val="000000">
+                <a:alpha val="35000"/>
+              </a:srgbClr>
+            </a:outerShdw>
+          </a:effectLst>
+          <a:scene3d>
+            <a:camera prst="orthographicFront">
+              <a:rot lat="0" lon="0" rev="0"/>
+            </a:camera>
+            <a:lightRig rig="threePt" dir="t">
+              <a:rot lat="0" lon="0" rev="1200000"/>
+            </a:lightRig>
+          </a:scene3d>
+          <a:sp3d>
+            <a:bevelT w="63500" h="25400"/>
+          </a:sp3d>
+        </a:effectStyle>
+      </a:effectStyleLst>
+      <a:bgFillStyleLst>
+        <a:solidFill>
+          <a:schemeClr val="phClr"/>
+        </a:solidFill>
+        <a:gradFill rotWithShape="1">
+          <a:gsLst>
+            <a:gs pos="0">
+              <a:schemeClr val="phClr">
+                <a:tint val="40000"/>
+                <a:satMod val="350000"/>
+              </a:schemeClr>
+            </a:gs>
+            <a:gs pos="40000">
+              <a:schemeClr val="phClr">
+                <a:tint val="45000"/>
+                <a:shade val="99000"/>
+                <a:satMod val="350000"/>
+              </a:schemeClr>
+            </a:gs>
+            <a:gs pos="100000">
+              <a:schemeClr val="phClr">
+                <a:shade val="20000"/>
+                <a:satMod val="255000"/>
+              </a:schemeClr>
+            </a:gs>
+          </a:gsLst>
+          <a:path path="circle">
+            <a:fillToRect l="50000" t="-80000" r="50000" b="180000"/>
+          </a:path>
+        </a:gradFill>
+        <a:gradFill rotWithShape="1">
+          <a:gsLst>
+            <a:gs pos="0">
+              <a:schemeClr val="phClr">
+                <a:tint val="80000"/>
+                <a:satMod val="300000"/>
+              </a:schemeClr>
+            </a:gs>
+            <a:gs pos="100000">
+              <a:schemeClr val="phClr">
+                <a:shade val="30000"/>
+                <a:satMod val="200000"/>
+              </a:schemeClr>
+            </a:gs>
+          </a:gsLst>
+          <a:path path="circle">
+            <a:fillToRect l="50000" t="50000" r="50000" b="50000"/>
+          </a:path>
+        </a:gradFill>
+      </a:bgFillStyleLst>
+    </a:fmtScheme>
+  </a:themeElements>
+</a:theme>
+</file>
+
+<file path=ppt/theme/theme3.xml><?xml version="1.0" encoding="utf-8"?>
+<a:theme xmlns:a="http://schemas.openxmlformats.org/drawingml/2006/main" name="Office Theme">
+  <a:themeElements>
+    <a:clrScheme name="Office">
+      <a:dk1>
+        <a:sysClr val="windowText" lastClr="000000"/>
+      </a:dk1>
+      <a:lt1>
+        <a:sysClr val="window" lastClr="FFFFFF"/>
+      </a:lt1>
+      <a:dk2>
+        <a:srgbClr val="1F497D"/>
+      </a:dk2>
+      <a:lt2>
+        <a:srgbClr val="EEECE1"/>
+      </a:lt2>
+      <a:accent1>
+        <a:srgbClr val="4F81BD"/>
+      </a:accent1>
+      <a:accent2>
+        <a:srgbClr val="C0504D"/>
+      </a:accent2>
+      <a:accent3>
+        <a:srgbClr val="9BBB59"/>
+      </a:accent3>
+      <a:accent4>
+        <a:srgbClr val="8064A2"/>
+      </a:accent4>
+      <a:accent5>
+        <a:srgbClr val="4BACC6"/>
+      </a:accent5>
+      <a:accent6>
+        <a:srgbClr val="F79646"/>
+      </a:accent6>
+      <a:hlink>
+        <a:srgbClr val="0000FF"/>
+      </a:hlink>
+      <a:folHlink>
+        <a:srgbClr val="800080"/>
+      </a:folHlink>
+    </a:clrScheme>
+    <a:fontScheme name="Office">
+      <a:majorFont>
+        <a:latin typeface="Arial"/>
+        <a:ea typeface="DejaVu Sans"/>
+        <a:cs typeface="DejaVu Sans"/>
+      </a:majorFont>
+      <a:minorFont>
+        <a:latin typeface="Arial"/>
+        <a:ea typeface="DejaVu Sans"/>
+        <a:cs typeface="DejaVu Sans"/>
+      </a:minorFont>
+    </a:fontScheme>
+    <a:fmtScheme name="Office">
+      <a:fillStyleLst>
+        <a:solidFill>
+          <a:schemeClr val="phClr"/>
+        </a:solidFill>
+        <a:gradFill rotWithShape="1">
+          <a:gsLst>
+            <a:gs pos="0">
+              <a:schemeClr val="phClr">
+                <a:tint val="50000"/>
+                <a:satMod val="300000"/>
+              </a:schemeClr>
+            </a:gs>
+            <a:gs pos="35000">
+              <a:schemeClr val="phClr">
+                <a:tint val="37000"/>
+                <a:satMod val="300000"/>
+              </a:schemeClr>
+            </a:gs>
+            <a:gs pos="100000">
+              <a:schemeClr val="phClr">
+                <a:tint val="15000"/>
+                <a:satMod val="350000"/>
+              </a:schemeClr>
+            </a:gs>
+          </a:gsLst>
+          <a:lin ang="16200000" scaled="1"/>
+        </a:gradFill>
+        <a:gradFill rotWithShape="1">
+          <a:gsLst>
+            <a:gs pos="0">
+              <a:schemeClr val="phClr">
+                <a:shade val="51000"/>
+                <a:satMod val="130000"/>
+              </a:schemeClr>
+            </a:gs>
+            <a:gs pos="80000">
+              <a:schemeClr val="phClr">
+                <a:shade val="93000"/>
+                <a:satMod val="130000"/>
+              </a:schemeClr>
+            </a:gs>
+            <a:gs pos="100000">
+              <a:schemeClr val="phClr">
+                <a:shade val="94000"/>
+                <a:satMod val="135000"/>
+              </a:schemeClr>
+            </a:gs>
+          </a:gsLst>
+          <a:lin ang="16200000" scaled="0"/>
+        </a:gradFill>
+      </a:fillStyleLst>
+      <a:lnStyleLst>
+        <a:ln w="9525" cap="flat" cmpd="sng" algn="ctr">
+          <a:solidFill>
+            <a:schemeClr val="phClr">
+              <a:shade val="95000"/>
+              <a:satMod val="105000"/>
+            </a:schemeClr>
+          </a:solidFill>
+          <a:prstDash val="solid"/>
+        </a:ln>
+        <a:ln w="25400" cap="flat" cmpd="sng" algn="ctr">
+          <a:solidFill>
+            <a:schemeClr val="phClr"/>
+          </a:solidFill>
+          <a:prstDash val="solid"/>
+        </a:ln>
+        <a:ln w="38100" cap="flat" cmpd="sng" algn="ctr">
+          <a:solidFill>
+            <a:schemeClr val="phClr"/>
+          </a:solidFill>
+          <a:prstDash val="solid"/>
+        </a:ln>
+      </a:lnStyleLst>
+      <a:effectStyleLst>
+        <a:effectStyle>
+          <a:effectLst>
+            <a:outerShdw blurRad="40000" dist="20000" dir="5400000" rotWithShape="0">
+              <a:srgbClr val="000000">
+                <a:alpha val="38000"/>
+              </a:srgbClr>
+            </a:outerShdw>
+          </a:effectLst>
+        </a:effectStyle>
+        <a:effectStyle>
+          <a:effectLst>
+            <a:outerShdw blurRad="40000" dist="23000" dir="5400000" rotWithShape="0">
+              <a:srgbClr val="000000">
+                <a:alpha val="35000"/>
+              </a:srgbClr>
+            </a:outerShdw>
+          </a:effectLst>
+        </a:effectStyle>
+        <a:effectStyle>
+          <a:effectLst>
+            <a:outerShdw blurRad="40000" dist="23000" dir="5400000" rotWithShape="0">
+              <a:srgbClr val="000000">
+                <a:alpha val="35000"/>
+              </a:srgbClr>
+            </a:outerShdw>
+          </a:effectLst>
+          <a:scene3d>
+            <a:camera prst="orthographicFront">
+              <a:rot lat="0" lon="0" rev="0"/>
+            </a:camera>
+            <a:lightRig rig="threePt" dir="t">
+              <a:rot lat="0" lon="0" rev="1200000"/>
+            </a:lightRig>
+          </a:scene3d>
+          <a:sp3d>
+            <a:bevelT w="63500" h="25400"/>
+          </a:sp3d>
+        </a:effectStyle>
+      </a:effectStyleLst>
+      <a:bgFillStyleLst>
+        <a:solidFill>
+          <a:schemeClr val="phClr"/>
+        </a:solidFill>
+        <a:gradFill rotWithShape="1">
+          <a:gsLst>
+            <a:gs pos="0">
+              <a:schemeClr val="phClr">
+                <a:tint val="40000"/>
+                <a:satMod val="350000"/>
+              </a:schemeClr>
+            </a:gs>
+            <a:gs pos="40000">
+              <a:schemeClr val="phClr">
+                <a:tint val="45000"/>
+                <a:shade val="99000"/>
+                <a:satMod val="350000"/>
+              </a:schemeClr>
+            </a:gs>
+            <a:gs pos="100000">
+              <a:schemeClr val="phClr">
+                <a:shade val="20000"/>
+                <a:satMod val="255000"/>
+              </a:schemeClr>
+            </a:gs>
+          </a:gsLst>
+          <a:path path="circle">
+            <a:fillToRect l="50000" t="-80000" r="50000" b="180000"/>
+          </a:path>
+        </a:gradFill>
+        <a:gradFill rotWithShape="1">
+          <a:gsLst>
+            <a:gs pos="0">
+              <a:schemeClr val="phClr">
+                <a:tint val="80000"/>
+                <a:satMod val="300000"/>
+              </a:schemeClr>
+            </a:gs>
+            <a:gs pos="100000">
+              <a:schemeClr val="phClr">
+                <a:shade val="30000"/>
+                <a:satMod val="200000"/>
+              </a:schemeClr>
+            </a:gs>
+          </a:gsLst>
+          <a:path path="circle">
+            <a:fillToRect l="50000" t="50000" r="50000" b="50000"/>
+          </a:path>
+        </a:gradFill>
+      </a:bgFillStyleLst>
+    </a:fmtScheme>
+  </a:themeElements>
+</a:theme>
 </file>